--- a/Symfony4_v0.1.pptx
+++ b/Symfony4_v0.1.pptx
@@ -28,21 +28,20 @@
     <p:sldId id="271" r:id="rId26"/>
     <p:sldId id="261" r:id="rId27"/>
     <p:sldId id="272" r:id="rId28"/>
-    <p:sldId id="295" r:id="rId29"/>
-    <p:sldId id="273" r:id="rId30"/>
-    <p:sldId id="262" r:id="rId31"/>
-    <p:sldId id="276" r:id="rId32"/>
-    <p:sldId id="275" r:id="rId33"/>
-    <p:sldId id="274" r:id="rId34"/>
-    <p:sldId id="278" r:id="rId35"/>
-    <p:sldId id="279" r:id="rId36"/>
-    <p:sldId id="280" r:id="rId37"/>
-    <p:sldId id="281" r:id="rId38"/>
-    <p:sldId id="282" r:id="rId39"/>
-    <p:sldId id="283" r:id="rId40"/>
-    <p:sldId id="284" r:id="rId41"/>
-    <p:sldId id="285" r:id="rId42"/>
-    <p:sldId id="286" r:id="rId43"/>
+    <p:sldId id="273" r:id="rId29"/>
+    <p:sldId id="262" r:id="rId30"/>
+    <p:sldId id="276" r:id="rId31"/>
+    <p:sldId id="275" r:id="rId32"/>
+    <p:sldId id="274" r:id="rId33"/>
+    <p:sldId id="278" r:id="rId34"/>
+    <p:sldId id="279" r:id="rId35"/>
+    <p:sldId id="280" r:id="rId36"/>
+    <p:sldId id="281" r:id="rId37"/>
+    <p:sldId id="282" r:id="rId38"/>
+    <p:sldId id="283" r:id="rId39"/>
+    <p:sldId id="284" r:id="rId40"/>
+    <p:sldId id="285" r:id="rId41"/>
+    <p:sldId id="286" r:id="rId42"/>
   </p:sldIdLst>
   <p:sldSz cx="12192000" cy="6858000"/>
   <p:notesSz cx="6858000" cy="9144000"/>
@@ -3062,6 +3061,13 @@
   <p:clrMapOvr>
     <a:masterClrMapping/>
   </p:clrMapOvr>
+  <p:timing>
+    <p:tnLst>
+      <p:par>
+        <p:cTn id="1" dur="indefinite" restart="never" nodeType="tmRoot"/>
+      </p:par>
+    </p:tnLst>
+  </p:timing>
 </p:sld>
 </file>
 
@@ -3182,6 +3188,13 @@
   <p:clrMapOvr>
     <a:masterClrMapping/>
   </p:clrMapOvr>
+  <p:timing>
+    <p:tnLst>
+      <p:par>
+        <p:cTn id="1" dur="indefinite" restart="never" nodeType="tmRoot"/>
+      </p:par>
+    </p:tnLst>
+  </p:timing>
 </p:sld>
 </file>
 
@@ -3265,6 +3278,13 @@
   <p:clrMapOvr>
     <a:masterClrMapping/>
   </p:clrMapOvr>
+  <p:timing>
+    <p:tnLst>
+      <p:par>
+        <p:cTn id="1" dur="indefinite" restart="never" nodeType="tmRoot"/>
+      </p:par>
+    </p:tnLst>
+  </p:timing>
 </p:sld>
 </file>
 
@@ -3472,6 +3492,13 @@
   <p:clrMapOvr>
     <a:masterClrMapping/>
   </p:clrMapOvr>
+  <p:timing>
+    <p:tnLst>
+      <p:par>
+        <p:cTn id="1" dur="indefinite" restart="never" nodeType="tmRoot"/>
+      </p:par>
+    </p:tnLst>
+  </p:timing>
 </p:sld>
 </file>
 
@@ -3615,11 +3642,7 @@
             </a:r>
             <a:r>
               <a:rPr lang="fr-FR" dirty="0" smtClean="0"/>
-              <a:t>/Controller </a:t>
-            </a:r>
-            <a:r>
-              <a:rPr lang="fr-FR" dirty="0" smtClean="0"/>
-              <a:t>(</a:t>
+              <a:t>/Controller (</a:t>
             </a:r>
             <a:r>
               <a:rPr lang="fr-FR" dirty="0">
@@ -3641,7 +3664,6 @@
               <a:rPr lang="fr-FR" dirty="0" smtClean="0"/>
               <a:t>Alternative par ligne de commande</a:t>
             </a:r>
-            <a:endParaRPr lang="fr-FR" dirty="0" smtClean="0"/>
           </a:p>
           <a:p>
             <a:pPr marL="342900" indent="-342900" algn="l">
@@ -3657,15 +3679,7 @@
             </a:pPr>
             <a:r>
               <a:rPr lang="fr-FR" dirty="0" smtClean="0"/>
-              <a:t>Customiser </a:t>
-            </a:r>
-            <a:r>
-              <a:rPr lang="fr-FR" dirty="0" smtClean="0"/>
-              <a:t>le nom de la </a:t>
-            </a:r>
-            <a:r>
-              <a:rPr lang="fr-FR" dirty="0" smtClean="0"/>
-              <a:t>route</a:t>
+              <a:t>Customiser le nom de la route</a:t>
             </a:r>
           </a:p>
           <a:p>
@@ -3674,7 +3688,6 @@
               <a:rPr lang="fr-FR" dirty="0" smtClean="0"/>
               <a:t>	</a:t>
             </a:r>
-            <a:endParaRPr lang="fr-FR" dirty="0" smtClean="0"/>
           </a:p>
           <a:p>
             <a:pPr marL="342900" indent="-342900" algn="l">
@@ -3683,11 +3696,7 @@
             </a:pPr>
             <a:r>
               <a:rPr lang="fr-FR" dirty="0" smtClean="0"/>
-              <a:t>Customiser le </a:t>
-            </a:r>
-            <a:r>
-              <a:rPr lang="fr-FR" dirty="0" smtClean="0"/>
-              <a:t>contenu</a:t>
+              <a:t>Customiser le contenu</a:t>
             </a:r>
           </a:p>
           <a:p>
@@ -3781,6 +3790,13 @@
   <p:clrMapOvr>
     <a:masterClrMapping/>
   </p:clrMapOvr>
+  <p:timing>
+    <p:tnLst>
+      <p:par>
+        <p:cTn id="1" dur="indefinite" restart="never" nodeType="tmRoot"/>
+      </p:par>
+    </p:tnLst>
+  </p:timing>
 </p:sld>
 </file>
 
@@ -3886,11 +3902,7 @@
             <a:pPr algn="l"/>
             <a:r>
               <a:rPr lang="fr-FR" dirty="0" smtClean="0"/>
-              <a:t>Il </a:t>
-            </a:r>
-            <a:r>
-              <a:rPr lang="fr-FR" dirty="0" smtClean="0"/>
-              <a:t>faut que le </a:t>
+              <a:t>Il faut que le </a:t>
             </a:r>
             <a:r>
               <a:rPr lang="fr-FR" dirty="0" err="1" smtClean="0"/>
@@ -3922,11 +3934,7 @@
             <a:pPr algn="l"/>
             <a:r>
               <a:rPr lang="fr-FR" dirty="0" smtClean="0"/>
-              <a:t>Il </a:t>
-            </a:r>
-            <a:r>
-              <a:rPr lang="fr-FR" dirty="0" smtClean="0"/>
-              <a:t>faut créer le </a:t>
+              <a:t>Il faut créer le </a:t>
             </a:r>
             <a:r>
               <a:rPr lang="fr-FR" dirty="0" err="1" smtClean="0"/>
@@ -3936,7 +3944,6 @@
               <a:rPr lang="fr-FR" dirty="0" smtClean="0"/>
               <a:t> </a:t>
             </a:r>
-            <a:endParaRPr lang="fr-FR" dirty="0" smtClean="0"/>
           </a:p>
           <a:p>
             <a:pPr algn="l"/>
@@ -3946,11 +3953,7 @@
             <a:pPr algn="l"/>
             <a:r>
               <a:rPr lang="fr-FR" dirty="0" smtClean="0"/>
-              <a:t>Faire </a:t>
-            </a:r>
-            <a:r>
-              <a:rPr lang="fr-FR" dirty="0" smtClean="0"/>
-              <a:t>des modifications dans l’affichage</a:t>
+              <a:t>Faire des modifications dans l’affichage</a:t>
             </a:r>
           </a:p>
         </p:txBody>
@@ -3965,6 +3968,13 @@
   <p:clrMapOvr>
     <a:masterClrMapping/>
   </p:clrMapOvr>
+  <p:timing>
+    <p:tnLst>
+      <p:par>
+        <p:cTn id="1" dur="indefinite" restart="never" nodeType="tmRoot"/>
+      </p:par>
+    </p:tnLst>
+  </p:timing>
 </p:sld>
 </file>
 
@@ -4045,6 +4055,13 @@
   <p:clrMapOvr>
     <a:masterClrMapping/>
   </p:clrMapOvr>
+  <p:timing>
+    <p:tnLst>
+      <p:par>
+        <p:cTn id="1" dur="indefinite" restart="never" nodeType="tmRoot"/>
+      </p:par>
+    </p:tnLst>
+  </p:timing>
 </p:sld>
 </file>
 
@@ -4186,6 +4203,13 @@
   <p:clrMapOvr>
     <a:masterClrMapping/>
   </p:clrMapOvr>
+  <p:timing>
+    <p:tnLst>
+      <p:par>
+        <p:cTn id="1" dur="indefinite" restart="never" nodeType="tmRoot"/>
+      </p:par>
+    </p:tnLst>
+  </p:timing>
 </p:sld>
 </file>
 
@@ -4281,11 +4305,7 @@
             <a:pPr algn="l"/>
             <a:r>
               <a:rPr lang="fr-FR" dirty="0" smtClean="0"/>
-              <a:t>C’est un niveau d’abstraction, il permet de définir un objet (classe PHP) et de le manipuler directement, puis d’envoyer les modification en base de données sans faire de </a:t>
-            </a:r>
-            <a:r>
-              <a:rPr lang="fr-FR" dirty="0" smtClean="0"/>
-              <a:t>SQL</a:t>
+              <a:t>C’est un niveau d’abstraction, il permet de définir un objet (classe PHP) et de le manipuler directement, puis d’envoyer les modification en base de données sans faire de SQL</a:t>
             </a:r>
           </a:p>
           <a:p>
@@ -4353,6 +4373,13 @@
   <p:clrMapOvr>
     <a:masterClrMapping/>
   </p:clrMapOvr>
+  <p:timing>
+    <p:tnLst>
+      <p:par>
+        <p:cTn id="1" dur="indefinite" restart="never" nodeType="tmRoot"/>
+      </p:par>
+    </p:tnLst>
+  </p:timing>
 </p:sld>
 </file>
 
@@ -4479,6 +4506,13 @@
   <p:clrMapOvr>
     <a:masterClrMapping/>
   </p:clrMapOvr>
+  <p:timing>
+    <p:tnLst>
+      <p:par>
+        <p:cTn id="1" dur="indefinite" restart="never" nodeType="tmRoot"/>
+      </p:par>
+    </p:tnLst>
+  </p:timing>
 </p:sld>
 </file>
 
@@ -4558,7 +4592,6 @@
               <a:rPr lang="fr-FR" dirty="0" smtClean="0"/>
               <a:t>Script qui va gérer des faux jeux de données et donc réutilisables par d’autres</a:t>
             </a:r>
-            <a:endParaRPr lang="fr-FR" dirty="0" smtClean="0"/>
           </a:p>
           <a:p>
             <a:pPr algn="l"/>
@@ -4588,6 +4621,13 @@
   <p:clrMapOvr>
     <a:masterClrMapping/>
   </p:clrMapOvr>
+  <p:timing>
+    <p:tnLst>
+      <p:par>
+        <p:cTn id="1" dur="indefinite" restart="never" nodeType="tmRoot"/>
+      </p:par>
+    </p:tnLst>
+  </p:timing>
 </p:sld>
 </file>
 
@@ -4660,6 +4700,13 @@
   <p:clrMapOvr>
     <a:masterClrMapping/>
   </p:clrMapOvr>
+  <p:timing>
+    <p:tnLst>
+      <p:par>
+        <p:cTn id="1" dur="indefinite" restart="never" nodeType="tmRoot"/>
+      </p:par>
+    </p:tnLst>
+  </p:timing>
 </p:sld>
 </file>
 
@@ -4720,11 +4767,7 @@
           <a:p>
             <a:r>
               <a:rPr lang="fr-FR" dirty="0" smtClean="0"/>
-              <a:t>Première </a:t>
-            </a:r>
-            <a:r>
-              <a:rPr lang="fr-FR" dirty="0" smtClean="0"/>
-              <a:t>Entité</a:t>
+              <a:t>Première Entité</a:t>
             </a:r>
           </a:p>
           <a:p>
@@ -4758,6 +4801,13 @@
   <p:clrMapOvr>
     <a:masterClrMapping/>
   </p:clrMapOvr>
+  <p:timing>
+    <p:tnLst>
+      <p:par>
+        <p:cTn id="1" dur="indefinite" restart="never" nodeType="tmRoot"/>
+      </p:par>
+    </p:tnLst>
+  </p:timing>
 </p:sld>
 </file>
 
@@ -4835,11 +4885,7 @@
             <a:pPr algn="l"/>
             <a:r>
               <a:rPr lang="fr-FR" dirty="0" smtClean="0"/>
-              <a:t>Nous </a:t>
-            </a:r>
-            <a:r>
-              <a:rPr lang="fr-FR" dirty="0" smtClean="0"/>
-              <a:t>allons d’abord créer un lien entre l’application et la BDD via le fichier .</a:t>
+              <a:t>Nous allons d’abord créer un lien entre l’application et la BDD via le fichier .</a:t>
             </a:r>
             <a:r>
               <a:rPr lang="fr-FR" dirty="0" err="1" smtClean="0"/>
@@ -4849,32 +4895,19 @@
               <a:rPr lang="fr-FR" dirty="0" smtClean="0"/>
               <a:t> (en fin)</a:t>
             </a:r>
-            <a:endParaRPr lang="fr-FR" dirty="0" smtClean="0"/>
-          </a:p>
-          <a:p>
-            <a:pPr algn="l"/>
-            <a:r>
-              <a:rPr lang="fr-FR" dirty="0" smtClean="0"/>
-              <a:t>	DATABASE_URL=mysql</a:t>
-            </a:r>
-            <a:r>
-              <a:rPr lang="fr-FR" dirty="0" smtClean="0"/>
-              <a:t>://</a:t>
-            </a:r>
-            <a:r>
-              <a:rPr lang="fr-FR" dirty="0" smtClean="0"/>
-              <a:t>root@127.0.0.1:3306/formation</a:t>
-            </a:r>
-          </a:p>
-          <a:p>
-            <a:pPr algn="l"/>
-            <a:r>
-              <a:rPr lang="fr-FR" dirty="0" smtClean="0"/>
-              <a:t>Puis </a:t>
-            </a:r>
-            <a:r>
-              <a:rPr lang="fr-FR" dirty="0" smtClean="0"/>
-              <a:t>a l’aide de la console initialiser une </a:t>
+          </a:p>
+          <a:p>
+            <a:pPr algn="l"/>
+            <a:r>
+              <a:rPr lang="fr-FR" dirty="0" smtClean="0"/>
+              <a:t>	DATABASE_URL=mysql://root@127.0.0.1:3306/formation</a:t>
+            </a:r>
+          </a:p>
+          <a:p>
+            <a:pPr algn="l"/>
+            <a:r>
+              <a:rPr lang="fr-FR" dirty="0" smtClean="0"/>
+              <a:t>Puis a l’aide de la console initialiser une </a:t>
             </a:r>
             <a:r>
               <a:rPr lang="fr-FR" dirty="0" err="1" smtClean="0"/>
@@ -4913,11 +4946,7 @@
             <a:pPr algn="l"/>
             <a:r>
               <a:rPr lang="fr-FR" dirty="0" smtClean="0"/>
-              <a:t>Cette </a:t>
-            </a:r>
-            <a:r>
-              <a:rPr lang="fr-FR" dirty="0" smtClean="0"/>
-              <a:t>commande va créer une </a:t>
+              <a:t>Cette commande va créer une </a:t>
             </a:r>
             <a:r>
               <a:rPr lang="fr-FR" dirty="0" err="1" smtClean="0"/>
@@ -4925,11 +4954,7 @@
             </a:r>
             <a:r>
               <a:rPr lang="fr-FR" dirty="0" smtClean="0"/>
-              <a:t> </a:t>
-            </a:r>
-            <a:r>
-              <a:rPr lang="fr-FR" dirty="0" smtClean="0"/>
-              <a:t>vide</a:t>
+              <a:t> vide</a:t>
             </a:r>
           </a:p>
           <a:p>
@@ -4940,13 +4965,8 @@
             </a:r>
             <a:r>
               <a:rPr lang="fr-FR" dirty="0" smtClean="0"/>
-              <a:t>Nous </a:t>
-            </a:r>
-            <a:r>
-              <a:rPr lang="fr-FR" dirty="0" smtClean="0"/>
-              <a:t>allons créer une entité « Produit » </a:t>
-            </a:r>
-            <a:endParaRPr lang="fr-FR" dirty="0" smtClean="0"/>
+              <a:t>Nous allons créer une entité « Produit » </a:t>
+            </a:r>
           </a:p>
           <a:p>
             <a:pPr algn="l"/>
@@ -5014,7 +5034,7 @@
             </a:r>
             <a:r>
               <a:rPr lang="fr-FR" dirty="0" err="1" smtClean="0"/>
-              <a:t>ArticleRepository.php</a:t>
+              <a:t>EntiteRepository.php</a:t>
             </a:r>
             <a:endParaRPr lang="fr-FR" dirty="0" smtClean="0"/>
           </a:p>
@@ -5030,6 +5050,13 @@
   <p:clrMapOvr>
     <a:masterClrMapping/>
   </p:clrMapOvr>
+  <p:timing>
+    <p:tnLst>
+      <p:par>
+        <p:cTn id="1" dur="indefinite" restart="never" nodeType="tmRoot"/>
+      </p:par>
+    </p:tnLst>
+  </p:timing>
 </p:sld>
 </file>
 
@@ -5114,6 +5141,13 @@
   <p:clrMapOvr>
     <a:masterClrMapping/>
   </p:clrMapOvr>
+  <p:timing>
+    <p:tnLst>
+      <p:par>
+        <p:cTn id="1" dur="indefinite" restart="never" nodeType="tmRoot"/>
+      </p:par>
+    </p:tnLst>
+  </p:timing>
 </p:sld>
 </file>
 
@@ -5226,7 +5260,15 @@
             <a:pPr algn="l"/>
             <a:r>
               <a:rPr lang="fr-FR" dirty="0" smtClean="0"/>
-              <a:t>Avec doctrine, le niveau d’abstraction permet simplement d’appelé des getters et setters et certaine méthode particulière pour réaliser les opérations de base : Créer, Modifier, Lire, Supprimer (CRUD), </a:t>
+              <a:t>Avec doctrine, le niveau d’abstraction permet simplement </a:t>
+            </a:r>
+            <a:r>
+              <a:rPr lang="fr-FR" dirty="0" smtClean="0"/>
+              <a:t>d’appeler </a:t>
+            </a:r>
+            <a:r>
+              <a:rPr lang="fr-FR" dirty="0" smtClean="0"/>
+              <a:t>des getters et setters et certaine méthode particulière pour réaliser les opérations de base : Créer, Modifier, Lire, Supprimer (CRUD), </a:t>
             </a:r>
           </a:p>
           <a:p>
@@ -5260,11 +5302,7 @@
             </a:r>
             <a:r>
               <a:rPr lang="fr-FR" b="1" dirty="0" smtClean="0"/>
-              <a:t>Supprimer </a:t>
-            </a:r>
-            <a:r>
-              <a:rPr lang="fr-FR" b="1" dirty="0" smtClean="0"/>
-              <a:t>un objet</a:t>
+              <a:t>Supprimer un objet</a:t>
             </a:r>
           </a:p>
           <a:p>
@@ -5283,15 +5321,7 @@
             </a:r>
             <a:r>
               <a:rPr lang="fr-FR" dirty="0" smtClean="0"/>
-              <a:t> flush va envoyer l’ensemble des modifications a la base, tant qu’il n’est pas fait, les modifications ne sont pas </a:t>
-            </a:r>
-            <a:r>
-              <a:rPr lang="fr-FR" dirty="0" smtClean="0"/>
-              <a:t>envoyées </a:t>
-            </a:r>
-            <a:r>
-              <a:rPr lang="fr-FR" dirty="0" smtClean="0"/>
-              <a:t>en base quelque soit l’opération</a:t>
+              <a:t> flush va envoyer l’ensemble des modifications a la base, tant qu’il n’est pas fait, les modifications ne sont pas envoyées en base quelque soit l’opération</a:t>
             </a:r>
           </a:p>
         </p:txBody>
@@ -5306,6 +5336,13 @@
   <p:clrMapOvr>
     <a:masterClrMapping/>
   </p:clrMapOvr>
+  <p:timing>
+    <p:tnLst>
+      <p:par>
+        <p:cTn id="1" dur="indefinite" restart="never" nodeType="tmRoot"/>
+      </p:par>
+    </p:tnLst>
+  </p:timing>
 </p:sld>
 </file>
 
@@ -5350,7 +5387,7 @@
           <a:p>
             <a:r>
               <a:rPr lang="fr-FR" dirty="0" smtClean="0"/>
-              <a:t>Théorie - L’</a:t>
+              <a:t>Pratique - L’</a:t>
             </a:r>
             <a:r>
               <a:rPr lang="fr-FR" dirty="0" err="1" smtClean="0"/>
@@ -5389,101 +5426,71 @@
             <a:pPr algn="l"/>
             <a:r>
               <a:rPr lang="fr-FR" dirty="0" smtClean="0"/>
-              <a:t>Dans les anciennes applications, ou avec du PHP natif, il n’est pas rare d’utilisé directement le PDO pour faire des requêtes SQL et modifier ces données en base.</a:t>
-            </a:r>
-          </a:p>
-          <a:p>
-            <a:pPr algn="l"/>
-            <a:r>
-              <a:rPr lang="fr-FR" dirty="0" smtClean="0"/>
-              <a:t>Au travers des </a:t>
+              <a:t>			</a:t>
+            </a:r>
+            <a:r>
+              <a:rPr lang="fr-FR" sz="2000" dirty="0">
+                <a:hlinkClick r:id="rId2"/>
+              </a:rPr>
+              <a:t>https://symfony.com/doc/current/doctrine.html#persisting-objects-to-the-database</a:t>
+            </a:r>
+            <a:endParaRPr lang="fr-FR" sz="2000" dirty="0" smtClean="0"/>
+          </a:p>
+          <a:p>
+            <a:pPr algn="l"/>
+            <a:r>
+              <a:rPr lang="fr-FR" dirty="0"/>
+              <a:t>	</a:t>
+            </a:r>
+            <a:r>
+              <a:rPr lang="fr-FR" dirty="0" smtClean="0"/>
+              <a:t>		</a:t>
+            </a:r>
+          </a:p>
+          <a:p>
+            <a:pPr algn="l"/>
+            <a:r>
+              <a:rPr lang="fr-FR" dirty="0"/>
+              <a:t>	</a:t>
+            </a:r>
+            <a:r>
+              <a:rPr lang="fr-FR" dirty="0" smtClean="0"/>
+              <a:t>		Création d’une entité en </a:t>
             </a:r>
             <a:r>
               <a:rPr lang="fr-FR" dirty="0" err="1" smtClean="0"/>
-              <a:t>repository</a:t>
-            </a:r>
-            <a:r>
-              <a:rPr lang="fr-FR" dirty="0" smtClean="0"/>
-              <a:t> nous avons un moyen simple de manipuler les entités :</a:t>
-            </a:r>
-          </a:p>
-          <a:p>
-            <a:pPr algn="l"/>
-            <a:r>
-              <a:rPr lang="fr-FR" dirty="0" smtClean="0"/>
-              <a:t>Les méthodes « magique »</a:t>
-            </a:r>
-          </a:p>
-          <a:p>
-            <a:pPr algn="l"/>
-            <a:r>
-              <a:rPr lang="fr-FR" dirty="0" smtClean="0"/>
-              <a:t>Avec doctrine, le niveau d’abstraction permet simplement d’appelé des getters et setters et certaine méthode particulière pour réaliser les opérations de base : Créer, Modifier, Lire, Supprimer (CRUD), </a:t>
-            </a:r>
-          </a:p>
-          <a:p>
-            <a:pPr algn="l"/>
-            <a:r>
-              <a:rPr lang="fr-FR" b="1" dirty="0" err="1" smtClean="0"/>
-              <a:t>Persist</a:t>
-            </a:r>
-            <a:r>
-              <a:rPr lang="fr-FR" dirty="0" smtClean="0"/>
-              <a:t> =&gt; </a:t>
-            </a:r>
-            <a:r>
-              <a:rPr lang="fr-FR" b="1" dirty="0" smtClean="0"/>
-              <a:t>Créer un nouvel objet</a:t>
-            </a:r>
-            <a:r>
-              <a:rPr lang="fr-FR" dirty="0" smtClean="0"/>
-              <a:t> </a:t>
-            </a:r>
-          </a:p>
-          <a:p>
-            <a:pPr algn="l"/>
-            <a:r>
-              <a:rPr lang="fr-FR" b="1" dirty="0" err="1" smtClean="0"/>
-              <a:t>Remove</a:t>
-            </a:r>
-            <a:r>
-              <a:rPr lang="fr-FR" dirty="0" smtClean="0"/>
-              <a:t> =&gt; </a:t>
-            </a:r>
-            <a:r>
-              <a:rPr lang="fr-FR" b="1" dirty="0" smtClean="0"/>
-              <a:t>Supprimer </a:t>
-            </a:r>
-            <a:r>
-              <a:rPr lang="fr-FR" b="1" dirty="0" smtClean="0"/>
-              <a:t>un objet</a:t>
-            </a:r>
-          </a:p>
-          <a:p>
-            <a:pPr algn="l"/>
-            <a:r>
-              <a:rPr lang="fr-FR" b="1" dirty="0" smtClean="0"/>
-              <a:t>Flush</a:t>
-            </a:r>
-            <a:r>
-              <a:rPr lang="fr-FR" dirty="0" smtClean="0"/>
-              <a:t> =&gt; </a:t>
-            </a:r>
-            <a:r>
-              <a:rPr lang="fr-FR" b="1" dirty="0" smtClean="0"/>
-              <a:t>envoyer les modifications en base</a:t>
-            </a:r>
-            <a:r>
-              <a:rPr lang="fr-FR" dirty="0" smtClean="0"/>
-              <a:t> flush va envoyer l’ensemble des modifications a la base, tant qu’il n’est pas fait, les modifications ne sont pas </a:t>
-            </a:r>
-            <a:r>
-              <a:rPr lang="fr-FR" dirty="0" smtClean="0"/>
-              <a:t>envoyées </a:t>
-            </a:r>
-            <a:r>
-              <a:rPr lang="fr-FR" dirty="0" smtClean="0"/>
-              <a:t>en base quelque soit l’opération</a:t>
+              <a:t>bdd</a:t>
+            </a:r>
+            <a:endParaRPr lang="fr-FR" dirty="0" smtClean="0"/>
+          </a:p>
+          <a:p>
+            <a:pPr algn="l"/>
+            <a:endParaRPr lang="fr-FR" dirty="0" smtClean="0"/>
+          </a:p>
+          <a:p>
+            <a:pPr algn="l"/>
+            <a:r>
+              <a:rPr lang="fr-FR" dirty="0"/>
+              <a:t>	</a:t>
+            </a:r>
+            <a:r>
+              <a:rPr lang="fr-FR" dirty="0" smtClean="0"/>
+              <a:t>		Modification de l’entité</a:t>
+            </a:r>
+          </a:p>
+          <a:p>
+            <a:pPr algn="l"/>
+            <a:endParaRPr lang="fr-FR" dirty="0" smtClean="0"/>
+          </a:p>
+          <a:p>
+            <a:pPr algn="l"/>
+            <a:r>
+              <a:rPr lang="fr-FR" dirty="0"/>
+              <a:t>	</a:t>
+            </a:r>
+            <a:r>
+              <a:rPr lang="fr-FR" dirty="0" smtClean="0"/>
+              <a:t>		Suppression de l’entité</a:t>
             </a:r>
           </a:p>
         </p:txBody>
@@ -5491,13 +5498,20 @@
     </p:spTree>
     <p:extLst>
       <p:ext uri="{BB962C8B-B14F-4D97-AF65-F5344CB8AC3E}">
-        <p14:creationId xmlns:p14="http://schemas.microsoft.com/office/powerpoint/2010/main" val="2243893521"/>
+        <p14:creationId xmlns:p14="http://schemas.microsoft.com/office/powerpoint/2010/main" val="30970234"/>
       </p:ext>
     </p:extLst>
   </p:cSld>
   <p:clrMapOvr>
     <a:masterClrMapping/>
   </p:clrMapOvr>
+  <p:timing>
+    <p:tnLst>
+      <p:par>
+        <p:cTn id="1" dur="indefinite" restart="never" nodeType="tmRoot"/>
+      </p:par>
+    </p:tnLst>
+  </p:timing>
 </p:sld>
 </file>
 
@@ -5528,29 +5542,14 @@
             <p:ph type="ctrTitle"/>
           </p:nvPr>
         </p:nvSpPr>
-        <p:spPr>
-          <a:xfrm>
-            <a:off x="609600" y="142649"/>
-            <a:ext cx="10972799" cy="827735"/>
-          </a:xfrm>
-        </p:spPr>
-        <p:txBody>
-          <a:bodyPr>
-            <a:normAutofit fontScale="90000"/>
-          </a:bodyPr>
-          <a:lstStyle/>
-          <a:p>
-            <a:r>
-              <a:rPr lang="fr-FR" dirty="0" smtClean="0"/>
-              <a:t>Pratique - L’</a:t>
-            </a:r>
-            <a:r>
-              <a:rPr lang="fr-FR" dirty="0" err="1" smtClean="0"/>
-              <a:t>orm</a:t>
-            </a:r>
-            <a:r>
-              <a:rPr lang="fr-FR" dirty="0" smtClean="0"/>
-              <a:t> manipulation d’entité</a:t>
+        <p:spPr/>
+        <p:txBody>
+          <a:bodyPr/>
+          <a:lstStyle/>
+          <a:p>
+            <a:r>
+              <a:rPr lang="fr-FR" dirty="0" smtClean="0"/>
+              <a:t>Théorie  </a:t>
             </a:r>
             <a:endParaRPr lang="fr-FR" dirty="0"/>
           </a:p>
@@ -5566,108 +5565,36 @@
             <p:ph type="subTitle" idx="1"/>
           </p:nvPr>
         </p:nvSpPr>
-        <p:spPr>
-          <a:xfrm>
-            <a:off x="326571" y="970383"/>
-            <a:ext cx="11607282" cy="5654351"/>
-          </a:xfrm>
-        </p:spPr>
-        <p:txBody>
-          <a:bodyPr>
-            <a:normAutofit/>
-          </a:bodyPr>
-          <a:lstStyle/>
-          <a:p>
-            <a:pPr algn="l"/>
-            <a:r>
-              <a:rPr lang="fr-FR" dirty="0" smtClean="0"/>
-              <a:t>			</a:t>
-            </a:r>
-            <a:r>
-              <a:rPr lang="fr-FR" sz="2000" dirty="0">
-                <a:hlinkClick r:id="rId2"/>
-              </a:rPr>
-              <a:t>https://symfony.com/doc/current/doctrine.html#persisting-objects-to-the-database</a:t>
-            </a:r>
-            <a:endParaRPr lang="fr-FR" sz="2000" dirty="0" smtClean="0"/>
-          </a:p>
-          <a:p>
-            <a:pPr algn="l"/>
-            <a:r>
-              <a:rPr lang="fr-FR" dirty="0"/>
-              <a:t>	</a:t>
-            </a:r>
-            <a:r>
-              <a:rPr lang="fr-FR" dirty="0" smtClean="0"/>
-              <a:t>		</a:t>
-            </a:r>
-          </a:p>
-          <a:p>
-            <a:pPr algn="l"/>
-            <a:r>
-              <a:rPr lang="fr-FR" dirty="0"/>
-              <a:t>	</a:t>
-            </a:r>
-            <a:r>
-              <a:rPr lang="fr-FR" dirty="0" smtClean="0"/>
-              <a:t>		Création d’une </a:t>
-            </a:r>
-            <a:r>
-              <a:rPr lang="fr-FR" dirty="0" smtClean="0"/>
-              <a:t>entité en </a:t>
-            </a:r>
-            <a:r>
-              <a:rPr lang="fr-FR" dirty="0" err="1" smtClean="0"/>
-              <a:t>bdd</a:t>
-            </a:r>
-            <a:endParaRPr lang="fr-FR" dirty="0" smtClean="0"/>
-          </a:p>
-          <a:p>
-            <a:pPr algn="l"/>
-            <a:endParaRPr lang="fr-FR" dirty="0" smtClean="0"/>
-          </a:p>
-          <a:p>
-            <a:pPr algn="l"/>
-            <a:r>
-              <a:rPr lang="fr-FR" dirty="0"/>
-              <a:t>	</a:t>
-            </a:r>
-            <a:r>
-              <a:rPr lang="fr-FR" dirty="0" smtClean="0"/>
-              <a:t>		Modification de </a:t>
-            </a:r>
-            <a:r>
-              <a:rPr lang="fr-FR" dirty="0" smtClean="0"/>
-              <a:t>l’entité</a:t>
-            </a:r>
-          </a:p>
-          <a:p>
-            <a:pPr algn="l"/>
-            <a:endParaRPr lang="fr-FR" dirty="0" smtClean="0"/>
-          </a:p>
-          <a:p>
-            <a:pPr algn="l"/>
-            <a:r>
-              <a:rPr lang="fr-FR" dirty="0"/>
-              <a:t>	</a:t>
-            </a:r>
-            <a:r>
-              <a:rPr lang="fr-FR" dirty="0" smtClean="0"/>
-              <a:t>		Suppression de l’entité</a:t>
-            </a:r>
+        <p:spPr/>
+        <p:txBody>
+          <a:bodyPr/>
+          <a:lstStyle/>
+          <a:p>
+            <a:r>
+              <a:rPr lang="fr-FR" dirty="0" smtClean="0"/>
+              <a:t>Les formulaires</a:t>
+            </a:r>
+            <a:endParaRPr lang="fr-FR" dirty="0"/>
           </a:p>
         </p:txBody>
       </p:sp>
     </p:spTree>
     <p:extLst>
       <p:ext uri="{BB962C8B-B14F-4D97-AF65-F5344CB8AC3E}">
-        <p14:creationId xmlns:p14="http://schemas.microsoft.com/office/powerpoint/2010/main" val="30970234"/>
+        <p14:creationId xmlns:p14="http://schemas.microsoft.com/office/powerpoint/2010/main" val="2289644603"/>
       </p:ext>
     </p:extLst>
   </p:cSld>
   <p:clrMapOvr>
     <a:masterClrMapping/>
   </p:clrMapOvr>
+  <p:timing>
+    <p:tnLst>
+      <p:par>
+        <p:cTn id="1" dur="indefinite" restart="never" nodeType="tmRoot"/>
+      </p:par>
+    </p:tnLst>
+  </p:timing>
 </p:sld>
 </file>
 
@@ -5698,14 +5625,21 @@
             <p:ph type="ctrTitle"/>
           </p:nvPr>
         </p:nvSpPr>
-        <p:spPr/>
-        <p:txBody>
-          <a:bodyPr/>
-          <a:lstStyle/>
-          <a:p>
-            <a:r>
-              <a:rPr lang="fr-FR" dirty="0" smtClean="0"/>
-              <a:t>Théorie  </a:t>
+        <p:spPr>
+          <a:xfrm>
+            <a:off x="1524000" y="195943"/>
+            <a:ext cx="9144000" cy="757432"/>
+          </a:xfrm>
+        </p:spPr>
+        <p:txBody>
+          <a:bodyPr>
+            <a:normAutofit fontScale="90000"/>
+          </a:bodyPr>
+          <a:lstStyle/>
+          <a:p>
+            <a:r>
+              <a:rPr lang="fr-FR" dirty="0" smtClean="0"/>
+              <a:t>Théorie – Les formulaires</a:t>
             </a:r>
             <a:endParaRPr lang="fr-FR" dirty="0"/>
           </a:p>
@@ -5721,14 +5655,67 @@
             <p:ph type="subTitle" idx="1"/>
           </p:nvPr>
         </p:nvSpPr>
-        <p:spPr/>
-        <p:txBody>
-          <a:bodyPr/>
-          <a:lstStyle/>
-          <a:p>
-            <a:r>
-              <a:rPr lang="fr-FR" dirty="0" smtClean="0"/>
-              <a:t>Les formulaires</a:t>
+        <p:spPr>
+          <a:xfrm>
+            <a:off x="345233" y="953375"/>
+            <a:ext cx="11551298" cy="5559392"/>
+          </a:xfrm>
+        </p:spPr>
+        <p:txBody>
+          <a:bodyPr/>
+          <a:lstStyle/>
+          <a:p>
+            <a:pPr algn="l"/>
+            <a:r>
+              <a:rPr lang="fr-FR" dirty="0" smtClean="0"/>
+              <a:t>Afin de permettre a un utilisateur de manipuler des données, on utilise très souvent des formulaires.</a:t>
+            </a:r>
+          </a:p>
+          <a:p>
+            <a:pPr algn="l"/>
+            <a:r>
+              <a:rPr lang="fr-FR" dirty="0" err="1" smtClean="0"/>
+              <a:t>Symfony</a:t>
+            </a:r>
+            <a:r>
+              <a:rPr lang="fr-FR" dirty="0" smtClean="0"/>
+              <a:t> permet de créer facilement des formulaires pour des types standards. Mais aussi de créer des types de champs customisés.</a:t>
+            </a:r>
+          </a:p>
+          <a:p>
+            <a:pPr algn="l"/>
+            <a:r>
+              <a:rPr lang="fr-FR" dirty="0" smtClean="0"/>
+              <a:t>Les formulaires peuvent être définis dans une classe à part ou dans un contrôleur (non recommandé), puis rendu via le moteur de </a:t>
+            </a:r>
+            <a:r>
+              <a:rPr lang="fr-FR" dirty="0" err="1" smtClean="0"/>
+              <a:t>templating</a:t>
+            </a:r>
+            <a:r>
+              <a:rPr lang="fr-FR" dirty="0" smtClean="0"/>
+              <a:t> </a:t>
+            </a:r>
+            <a:r>
+              <a:rPr lang="fr-FR" dirty="0" err="1" smtClean="0"/>
+              <a:t>twig</a:t>
+            </a:r>
+            <a:r>
+              <a:rPr lang="fr-FR" dirty="0" smtClean="0"/>
+              <a:t>.</a:t>
+            </a:r>
+          </a:p>
+          <a:p>
+            <a:pPr algn="l"/>
+            <a:endParaRPr lang="fr-FR" dirty="0"/>
+          </a:p>
+          <a:p>
+            <a:pPr algn="l"/>
+            <a:r>
+              <a:rPr lang="fr-FR" dirty="0">
+                <a:hlinkClick r:id="rId2"/>
+              </a:rPr>
+              <a:t>https://symfony.com/doc/current/forms.html</a:t>
             </a:r>
             <a:endParaRPr lang="fr-FR" dirty="0"/>
           </a:p>
@@ -5737,13 +5724,20 @@
     </p:spTree>
     <p:extLst>
       <p:ext uri="{BB962C8B-B14F-4D97-AF65-F5344CB8AC3E}">
-        <p14:creationId xmlns:p14="http://schemas.microsoft.com/office/powerpoint/2010/main" val="2289644603"/>
+        <p14:creationId xmlns:p14="http://schemas.microsoft.com/office/powerpoint/2010/main" val="4039256981"/>
       </p:ext>
     </p:extLst>
   </p:cSld>
   <p:clrMapOvr>
     <a:masterClrMapping/>
   </p:clrMapOvr>
+  <p:timing>
+    <p:tnLst>
+      <p:par>
+        <p:cTn id="1" dur="indefinite" restart="never" nodeType="tmRoot"/>
+      </p:par>
+    </p:tnLst>
+  </p:timing>
 </p:sld>
 </file>
 
@@ -5774,21 +5768,14 @@
             <p:ph type="ctrTitle"/>
           </p:nvPr>
         </p:nvSpPr>
-        <p:spPr>
-          <a:xfrm>
-            <a:off x="1524000" y="195943"/>
-            <a:ext cx="9144000" cy="757432"/>
-          </a:xfrm>
-        </p:spPr>
-        <p:txBody>
-          <a:bodyPr>
-            <a:normAutofit fontScale="90000"/>
-          </a:bodyPr>
-          <a:lstStyle/>
-          <a:p>
-            <a:r>
-              <a:rPr lang="fr-FR" dirty="0" smtClean="0"/>
-              <a:t>Théorie – Les formulaires</a:t>
+        <p:spPr/>
+        <p:txBody>
+          <a:bodyPr/>
+          <a:lstStyle/>
+          <a:p>
+            <a:r>
+              <a:rPr lang="fr-FR" dirty="0" smtClean="0"/>
+              <a:t>Pratique</a:t>
             </a:r>
             <a:endParaRPr lang="fr-FR" dirty="0"/>
           </a:p>
@@ -5804,81 +5791,17 @@
             <p:ph type="subTitle" idx="1"/>
           </p:nvPr>
         </p:nvSpPr>
-        <p:spPr>
-          <a:xfrm>
-            <a:off x="345233" y="953375"/>
-            <a:ext cx="11551298" cy="5559392"/>
-          </a:xfrm>
-        </p:spPr>
-        <p:txBody>
-          <a:bodyPr/>
-          <a:lstStyle/>
-          <a:p>
-            <a:pPr algn="l"/>
-            <a:r>
-              <a:rPr lang="fr-FR" dirty="0" smtClean="0"/>
-              <a:t>Afin de permettre a un utilisateur de manipuler des données, on utilise très souvent des formulaires.</a:t>
-            </a:r>
-          </a:p>
-          <a:p>
-            <a:pPr algn="l"/>
-            <a:r>
-              <a:rPr lang="fr-FR" dirty="0" err="1" smtClean="0"/>
-              <a:t>Symfony</a:t>
-            </a:r>
-            <a:r>
-              <a:rPr lang="fr-FR" dirty="0" smtClean="0"/>
-              <a:t> permet de créer facilement des formulaires pour des types standards. Mais aussi de créer des types de champs </a:t>
-            </a:r>
-            <a:r>
-              <a:rPr lang="fr-FR" dirty="0" smtClean="0"/>
-              <a:t>customisés.</a:t>
-            </a:r>
-            <a:endParaRPr lang="fr-FR" dirty="0" smtClean="0"/>
-          </a:p>
-          <a:p>
-            <a:pPr algn="l"/>
-            <a:r>
-              <a:rPr lang="fr-FR" dirty="0" smtClean="0"/>
-              <a:t>Les formulaires peuvent être définis dans une classe </a:t>
-            </a:r>
-            <a:r>
-              <a:rPr lang="fr-FR" dirty="0" smtClean="0"/>
-              <a:t>à </a:t>
-            </a:r>
-            <a:r>
-              <a:rPr lang="fr-FR" dirty="0" smtClean="0"/>
-              <a:t>part ou dans un contrôleur (non recommandé), puis rendu via le moteur de </a:t>
-            </a:r>
-            <a:r>
-              <a:rPr lang="fr-FR" dirty="0" err="1" smtClean="0"/>
-              <a:t>templating</a:t>
-            </a:r>
-            <a:r>
-              <a:rPr lang="fr-FR" dirty="0" smtClean="0"/>
-              <a:t> </a:t>
-            </a:r>
-            <a:r>
-              <a:rPr lang="fr-FR" dirty="0" err="1" smtClean="0"/>
-              <a:t>twig</a:t>
-            </a:r>
-            <a:r>
-              <a:rPr lang="fr-FR" dirty="0" smtClean="0"/>
-              <a:t>.</a:t>
-            </a:r>
-          </a:p>
-          <a:p>
-            <a:pPr algn="l"/>
-            <a:endParaRPr lang="fr-FR" dirty="0"/>
-          </a:p>
-          <a:p>
-            <a:pPr algn="l"/>
-            <a:r>
-              <a:rPr lang="fr-FR" dirty="0">
-                <a:hlinkClick r:id="rId2"/>
-              </a:rPr>
-              <a:t>https://symfony.com/doc/current/forms.html</a:t>
-            </a:r>
+        <p:spPr/>
+        <p:txBody>
+          <a:bodyPr/>
+          <a:lstStyle/>
+          <a:p>
+            <a:r>
+              <a:rPr lang="fr-FR" dirty="0" smtClean="0"/>
+              <a:t>Premier formulaire</a:t>
+            </a:r>
+          </a:p>
+          <a:p>
             <a:endParaRPr lang="fr-FR" dirty="0"/>
           </a:p>
         </p:txBody>
@@ -5886,13 +5809,20 @@
     </p:spTree>
     <p:extLst>
       <p:ext uri="{BB962C8B-B14F-4D97-AF65-F5344CB8AC3E}">
-        <p14:creationId xmlns:p14="http://schemas.microsoft.com/office/powerpoint/2010/main" val="4039256981"/>
+        <p14:creationId xmlns:p14="http://schemas.microsoft.com/office/powerpoint/2010/main" val="346746529"/>
       </p:ext>
     </p:extLst>
   </p:cSld>
   <p:clrMapOvr>
     <a:masterClrMapping/>
   </p:clrMapOvr>
+  <p:timing>
+    <p:tnLst>
+      <p:par>
+        <p:cTn id="1" dur="indefinite" restart="never" nodeType="tmRoot"/>
+      </p:par>
+    </p:tnLst>
+  </p:timing>
 </p:sld>
 </file>
 
@@ -5923,14 +5853,21 @@
             <p:ph type="ctrTitle"/>
           </p:nvPr>
         </p:nvSpPr>
-        <p:spPr/>
-        <p:txBody>
-          <a:bodyPr/>
-          <a:lstStyle/>
-          <a:p>
-            <a:r>
-              <a:rPr lang="fr-FR" dirty="0" smtClean="0"/>
-              <a:t>Pratique</a:t>
+        <p:spPr>
+          <a:xfrm>
+            <a:off x="1524000" y="179971"/>
+            <a:ext cx="9144000" cy="865057"/>
+          </a:xfrm>
+        </p:spPr>
+        <p:txBody>
+          <a:bodyPr>
+            <a:normAutofit fontScale="90000"/>
+          </a:bodyPr>
+          <a:lstStyle/>
+          <a:p>
+            <a:r>
+              <a:rPr lang="fr-FR" dirty="0" smtClean="0"/>
+              <a:t>Pratique - premier formulaire</a:t>
             </a:r>
             <a:endParaRPr lang="fr-FR" dirty="0"/>
           </a:p>
@@ -5946,17 +5883,38 @@
             <p:ph type="subTitle" idx="1"/>
           </p:nvPr>
         </p:nvSpPr>
-        <p:spPr/>
-        <p:txBody>
-          <a:bodyPr/>
-          <a:lstStyle/>
-          <a:p>
-            <a:r>
-              <a:rPr lang="fr-FR" dirty="0" smtClean="0"/>
-              <a:t>Premier formulaire</a:t>
-            </a:r>
-          </a:p>
-          <a:p>
+        <p:spPr>
+          <a:xfrm>
+            <a:off x="401216" y="1119673"/>
+            <a:ext cx="11364686" cy="5383764"/>
+          </a:xfrm>
+        </p:spPr>
+        <p:txBody>
+          <a:bodyPr/>
+          <a:lstStyle/>
+          <a:p>
+            <a:pPr algn="l"/>
+            <a:r>
+              <a:rPr lang="fr-FR" dirty="0" smtClean="0"/>
+              <a:t>Création d’une classe de formulaire pour notre entité (</a:t>
+            </a:r>
+            <a:r>
+              <a:rPr lang="fr-FR" dirty="0">
+                <a:hlinkClick r:id="rId2"/>
+              </a:rPr>
+              <a:t>https://symfony.com/doc/current/forms.html</a:t>
+            </a:r>
+            <a:r>
+              <a:rPr lang="fr-FR" dirty="0" smtClean="0"/>
+              <a:t>)</a:t>
+            </a:r>
+          </a:p>
+          <a:p>
+            <a:pPr algn="l"/>
+            <a:endParaRPr lang="fr-FR" dirty="0" smtClean="0"/>
+          </a:p>
+          <a:p>
+            <a:pPr algn="l"/>
             <a:endParaRPr lang="fr-FR" dirty="0"/>
           </a:p>
         </p:txBody>
@@ -5964,13 +5922,20 @@
     </p:spTree>
     <p:extLst>
       <p:ext uri="{BB962C8B-B14F-4D97-AF65-F5344CB8AC3E}">
-        <p14:creationId xmlns:p14="http://schemas.microsoft.com/office/powerpoint/2010/main" val="346746529"/>
+        <p14:creationId xmlns:p14="http://schemas.microsoft.com/office/powerpoint/2010/main" val="1369238445"/>
       </p:ext>
     </p:extLst>
   </p:cSld>
   <p:clrMapOvr>
     <a:masterClrMapping/>
   </p:clrMapOvr>
+  <p:timing>
+    <p:tnLst>
+      <p:par>
+        <p:cTn id="1" dur="indefinite" restart="never" nodeType="tmRoot"/>
+      </p:par>
+    </p:tnLst>
+  </p:timing>
 </p:sld>
 </file>
 
@@ -6001,21 +5966,14 @@
             <p:ph type="ctrTitle"/>
           </p:nvPr>
         </p:nvSpPr>
-        <p:spPr>
-          <a:xfrm>
-            <a:off x="1524000" y="179971"/>
-            <a:ext cx="9144000" cy="865057"/>
-          </a:xfrm>
-        </p:spPr>
-        <p:txBody>
-          <a:bodyPr>
-            <a:normAutofit fontScale="90000"/>
-          </a:bodyPr>
-          <a:lstStyle/>
-          <a:p>
-            <a:r>
-              <a:rPr lang="fr-FR" dirty="0" smtClean="0"/>
-              <a:t>Pratique - premier formulaire</a:t>
+        <p:spPr/>
+        <p:txBody>
+          <a:bodyPr/>
+          <a:lstStyle/>
+          <a:p>
+            <a:r>
+              <a:rPr lang="fr-FR" dirty="0" smtClean="0"/>
+              <a:t>Théorie  </a:t>
             </a:r>
             <a:endParaRPr lang="fr-FR" dirty="0"/>
           </a:p>
@@ -6031,43 +5989,15 @@
             <p:ph type="subTitle" idx="1"/>
           </p:nvPr>
         </p:nvSpPr>
-        <p:spPr>
-          <a:xfrm>
-            <a:off x="401216" y="1119673"/>
-            <a:ext cx="11364686" cy="5383764"/>
-          </a:xfrm>
-        </p:spPr>
-        <p:txBody>
-          <a:bodyPr/>
-          <a:lstStyle/>
-          <a:p>
-            <a:pPr algn="l"/>
-            <a:r>
-              <a:rPr lang="fr-FR" dirty="0" smtClean="0"/>
-              <a:t>Création d’une classe de formulaire pour notre entité </a:t>
-            </a:r>
-            <a:r>
-              <a:rPr lang="fr-FR" dirty="0" smtClean="0"/>
-              <a:t>(</a:t>
-            </a:r>
-            <a:r>
-              <a:rPr lang="fr-FR" dirty="0">
-                <a:hlinkClick r:id="rId2"/>
-              </a:rPr>
-              <a:t>https://symfony.com/doc/current/forms.html</a:t>
-            </a:r>
-            <a:r>
-              <a:rPr lang="fr-FR" dirty="0" smtClean="0"/>
-              <a:t>)</a:t>
-            </a:r>
-            <a:endParaRPr lang="fr-FR" dirty="0" smtClean="0"/>
-          </a:p>
-          <a:p>
-            <a:pPr algn="l"/>
-            <a:endParaRPr lang="fr-FR" dirty="0" smtClean="0"/>
-          </a:p>
-          <a:p>
-            <a:pPr algn="l"/>
+        <p:spPr/>
+        <p:txBody>
+          <a:bodyPr/>
+          <a:lstStyle/>
+          <a:p>
+            <a:r>
+              <a:rPr lang="fr-FR" dirty="0" smtClean="0"/>
+              <a:t>Les traductions / le multilingue</a:t>
+            </a:r>
             <a:endParaRPr lang="fr-FR" dirty="0"/>
           </a:p>
         </p:txBody>
@@ -6075,13 +6005,20 @@
     </p:spTree>
     <p:extLst>
       <p:ext uri="{BB962C8B-B14F-4D97-AF65-F5344CB8AC3E}">
-        <p14:creationId xmlns:p14="http://schemas.microsoft.com/office/powerpoint/2010/main" val="1369238445"/>
+        <p14:creationId xmlns:p14="http://schemas.microsoft.com/office/powerpoint/2010/main" val="1235562761"/>
       </p:ext>
     </p:extLst>
   </p:cSld>
   <p:clrMapOvr>
     <a:masterClrMapping/>
   </p:clrMapOvr>
+  <p:timing>
+    <p:tnLst>
+      <p:par>
+        <p:cTn id="1" dur="indefinite" restart="never" nodeType="tmRoot"/>
+      </p:par>
+    </p:tnLst>
+  </p:timing>
 </p:sld>
 </file>
 
@@ -6295,6 +6232,13 @@
   <p:clrMapOvr>
     <a:masterClrMapping/>
   </p:clrMapOvr>
+  <p:timing>
+    <p:tnLst>
+      <p:par>
+        <p:cTn id="1" dur="indefinite" restart="never" nodeType="tmRoot"/>
+      </p:par>
+    </p:tnLst>
+  </p:timing>
 </p:sld>
 </file>
 
@@ -6325,14 +6269,21 @@
             <p:ph type="ctrTitle"/>
           </p:nvPr>
         </p:nvSpPr>
-        <p:spPr/>
-        <p:txBody>
-          <a:bodyPr/>
-          <a:lstStyle/>
-          <a:p>
-            <a:r>
-              <a:rPr lang="fr-FR" dirty="0" smtClean="0"/>
-              <a:t>Théorie  </a:t>
+        <p:spPr>
+          <a:xfrm>
+            <a:off x="-580053" y="354563"/>
+            <a:ext cx="13352106" cy="671805"/>
+          </a:xfrm>
+        </p:spPr>
+        <p:txBody>
+          <a:bodyPr>
+            <a:normAutofit fontScale="90000"/>
+          </a:bodyPr>
+          <a:lstStyle/>
+          <a:p>
+            <a:r>
+              <a:rPr lang="fr-FR" dirty="0" smtClean="0"/>
+              <a:t>Théorie - Les traductions / le multilingue</a:t>
             </a:r>
             <a:endParaRPr lang="fr-FR" dirty="0"/>
           </a:p>
@@ -6348,15 +6299,94 @@
             <p:ph type="subTitle" idx="1"/>
           </p:nvPr>
         </p:nvSpPr>
-        <p:spPr/>
-        <p:txBody>
-          <a:bodyPr/>
-          <a:lstStyle/>
-          <a:p>
-            <a:r>
-              <a:rPr lang="fr-FR" dirty="0" smtClean="0"/>
-              <a:t>Les traductions / le multilingue</a:t>
-            </a:r>
+        <p:spPr>
+          <a:xfrm>
+            <a:off x="130629" y="1026367"/>
+            <a:ext cx="11747240" cy="5598367"/>
+          </a:xfrm>
+        </p:spPr>
+        <p:txBody>
+          <a:bodyPr/>
+          <a:lstStyle/>
+          <a:p>
+            <a:pPr algn="l"/>
+            <a:r>
+              <a:rPr lang="fr-FR" dirty="0" err="1" smtClean="0"/>
+              <a:t>Symfony</a:t>
+            </a:r>
+            <a:r>
+              <a:rPr lang="fr-FR" dirty="0" smtClean="0"/>
+              <a:t> dispose d’un système permettant de gérer les textes de base d’un site (non contribués en </a:t>
+            </a:r>
+            <a:r>
+              <a:rPr lang="fr-FR" dirty="0" err="1" smtClean="0"/>
+              <a:t>bdd</a:t>
+            </a:r>
+            <a:r>
+              <a:rPr lang="fr-FR" dirty="0" smtClean="0"/>
+              <a:t>) de manière simple.</a:t>
+            </a:r>
+          </a:p>
+          <a:p>
+            <a:pPr algn="l"/>
+            <a:r>
+              <a:rPr lang="fr-FR" dirty="0" smtClean="0"/>
+              <a:t>Il n’y a aucun texte « en dur » dans les </a:t>
+            </a:r>
+            <a:r>
+              <a:rPr lang="fr-FR" dirty="0" err="1" smtClean="0"/>
+              <a:t>templates</a:t>
+            </a:r>
+            <a:r>
+              <a:rPr lang="fr-FR" dirty="0" smtClean="0"/>
+              <a:t> html ou dans le code, à la place tout le texte va se trouver dans des fichiers de traduction.</a:t>
+            </a:r>
+          </a:p>
+          <a:p>
+            <a:pPr algn="l"/>
+            <a:r>
+              <a:rPr lang="fr-FR" dirty="0" smtClean="0"/>
+              <a:t>Une langue par défaut est configurée (la « locale »), il faut ensuite proposé un sélecteur de langue aux utilisateurs et créer les fichiers de traductions.</a:t>
+            </a:r>
+            <a:endParaRPr lang="fr-FR" dirty="0"/>
+          </a:p>
+          <a:p>
+            <a:pPr algn="l"/>
+            <a:r>
+              <a:rPr lang="fr-FR" dirty="0">
+                <a:hlinkClick r:id="rId2"/>
+              </a:rPr>
+              <a:t>https://</a:t>
+            </a:r>
+            <a:r>
+              <a:rPr lang="fr-FR" dirty="0" smtClean="0">
+                <a:hlinkClick r:id="rId2"/>
+              </a:rPr>
+              <a:t>symfony.com/doc/current/translation.html</a:t>
+            </a:r>
+            <a:endParaRPr lang="fr-FR" dirty="0"/>
+          </a:p>
+          <a:p>
+            <a:pPr algn="l"/>
+            <a:r>
+              <a:rPr lang="fr-FR" dirty="0"/>
+              <a:t>Le fichier d’information de traduction config/packages/</a:t>
+            </a:r>
+            <a:r>
+              <a:rPr lang="fr-FR" dirty="0" err="1"/>
+              <a:t>translation.yaml</a:t>
+            </a:r>
+            <a:endParaRPr lang="fr-FR" dirty="0"/>
+          </a:p>
+          <a:p>
+            <a:pPr algn="l"/>
+            <a:r>
+              <a:rPr lang="fr-FR" dirty="0"/>
+              <a:t>Les traductions sont stockés dans le dossier translations</a:t>
+            </a:r>
+          </a:p>
+          <a:p>
+            <a:pPr algn="l"/>
             <a:endParaRPr lang="fr-FR" dirty="0"/>
           </a:p>
         </p:txBody>
@@ -6364,13 +6394,20 @@
     </p:spTree>
     <p:extLst>
       <p:ext uri="{BB962C8B-B14F-4D97-AF65-F5344CB8AC3E}">
-        <p14:creationId xmlns:p14="http://schemas.microsoft.com/office/powerpoint/2010/main" val="1235562761"/>
+        <p14:creationId xmlns:p14="http://schemas.microsoft.com/office/powerpoint/2010/main" val="957382814"/>
       </p:ext>
     </p:extLst>
   </p:cSld>
   <p:clrMapOvr>
     <a:masterClrMapping/>
   </p:clrMapOvr>
+  <p:timing>
+    <p:tnLst>
+      <p:par>
+        <p:cTn id="1" dur="indefinite" restart="never" nodeType="tmRoot"/>
+      </p:par>
+    </p:tnLst>
+  </p:timing>
 </p:sld>
 </file>
 
@@ -6401,172 +6438,6 @@
             <p:ph type="ctrTitle"/>
           </p:nvPr>
         </p:nvSpPr>
-        <p:spPr>
-          <a:xfrm>
-            <a:off x="-580053" y="354563"/>
-            <a:ext cx="13352106" cy="671805"/>
-          </a:xfrm>
-        </p:spPr>
-        <p:txBody>
-          <a:bodyPr>
-            <a:normAutofit fontScale="90000"/>
-          </a:bodyPr>
-          <a:lstStyle/>
-          <a:p>
-            <a:r>
-              <a:rPr lang="fr-FR" dirty="0" smtClean="0"/>
-              <a:t>Théorie - Les traductions / le multilingue</a:t>
-            </a:r>
-            <a:endParaRPr lang="fr-FR" dirty="0"/>
-          </a:p>
-        </p:txBody>
-      </p:sp>
-      <p:sp>
-        <p:nvSpPr>
-          <p:cNvPr id="3" name="Sous-titre 2"/>
-          <p:cNvSpPr>
-            <a:spLocks noGrp="1"/>
-          </p:cNvSpPr>
-          <p:nvPr>
-            <p:ph type="subTitle" idx="1"/>
-          </p:nvPr>
-        </p:nvSpPr>
-        <p:spPr>
-          <a:xfrm>
-            <a:off x="130629" y="1026367"/>
-            <a:ext cx="11747240" cy="5598367"/>
-          </a:xfrm>
-        </p:spPr>
-        <p:txBody>
-          <a:bodyPr/>
-          <a:lstStyle/>
-          <a:p>
-            <a:pPr algn="l"/>
-            <a:r>
-              <a:rPr lang="fr-FR" dirty="0" err="1" smtClean="0"/>
-              <a:t>Symfony</a:t>
-            </a:r>
-            <a:r>
-              <a:rPr lang="fr-FR" dirty="0" smtClean="0"/>
-              <a:t> dispose d’un système permettant de gérer les textes de base d’un site (non contribués en </a:t>
-            </a:r>
-            <a:r>
-              <a:rPr lang="fr-FR" dirty="0" err="1" smtClean="0"/>
-              <a:t>bdd</a:t>
-            </a:r>
-            <a:r>
-              <a:rPr lang="fr-FR" dirty="0" smtClean="0"/>
-              <a:t>) de manière simple.</a:t>
-            </a:r>
-          </a:p>
-          <a:p>
-            <a:pPr algn="l"/>
-            <a:r>
-              <a:rPr lang="fr-FR" dirty="0" smtClean="0"/>
-              <a:t>Il n’y a aucun texte « en dur » dans les </a:t>
-            </a:r>
-            <a:r>
-              <a:rPr lang="fr-FR" dirty="0" err="1" smtClean="0"/>
-              <a:t>templates</a:t>
-            </a:r>
-            <a:r>
-              <a:rPr lang="fr-FR" dirty="0" smtClean="0"/>
-              <a:t> html ou dans le code, à la place tout le texte va se trouver dans des fichiers de traduction.</a:t>
-            </a:r>
-          </a:p>
-          <a:p>
-            <a:pPr algn="l"/>
-            <a:r>
-              <a:rPr lang="fr-FR" dirty="0" smtClean="0"/>
-              <a:t>Une langue par défaut est configurée (la « locale »), il faut ensuite proposé un sélecteur de langue aux utilisateurs et créer les fichiers de traductions</a:t>
-            </a:r>
-            <a:r>
-              <a:rPr lang="fr-FR" dirty="0" smtClean="0"/>
-              <a:t>.</a:t>
-            </a:r>
-            <a:endParaRPr lang="fr-FR" dirty="0"/>
-          </a:p>
-          <a:p>
-            <a:pPr algn="l"/>
-            <a:r>
-              <a:rPr lang="fr-FR" dirty="0">
-                <a:hlinkClick r:id="rId2"/>
-              </a:rPr>
-              <a:t>https://</a:t>
-            </a:r>
-            <a:r>
-              <a:rPr lang="fr-FR" dirty="0" smtClean="0">
-                <a:hlinkClick r:id="rId2"/>
-              </a:rPr>
-              <a:t>symfony.com/doc/current/translation.html</a:t>
-            </a:r>
-            <a:endParaRPr lang="fr-FR" dirty="0"/>
-          </a:p>
-          <a:p>
-            <a:pPr algn="l"/>
-            <a:r>
-              <a:rPr lang="fr-FR" dirty="0"/>
-              <a:t>Le fichier d’information de traduction config/packages/</a:t>
-            </a:r>
-            <a:r>
-              <a:rPr lang="fr-FR" dirty="0" err="1"/>
-              <a:t>translation.yaml</a:t>
-            </a:r>
-            <a:endParaRPr lang="fr-FR" dirty="0"/>
-          </a:p>
-          <a:p>
-            <a:pPr algn="l"/>
-            <a:r>
-              <a:rPr lang="fr-FR" dirty="0"/>
-              <a:t>Les traductions sont stockés dans le dossier translations</a:t>
-            </a:r>
-          </a:p>
-          <a:p>
-            <a:pPr algn="l"/>
-            <a:endParaRPr lang="fr-FR" dirty="0"/>
-          </a:p>
-        </p:txBody>
-      </p:sp>
-    </p:spTree>
-    <p:extLst>
-      <p:ext uri="{BB962C8B-B14F-4D97-AF65-F5344CB8AC3E}">
-        <p14:creationId xmlns:p14="http://schemas.microsoft.com/office/powerpoint/2010/main" val="957382814"/>
-      </p:ext>
-    </p:extLst>
-  </p:cSld>
-  <p:clrMapOvr>
-    <a:masterClrMapping/>
-  </p:clrMapOvr>
-</p:sld>
-</file>
-
-<file path=ppt/slides/slide32.xml><?xml version="1.0" encoding="utf-8"?>
-<p:sld xmlns:a="http://schemas.openxmlformats.org/drawingml/2006/main" xmlns:r="http://schemas.openxmlformats.org/officeDocument/2006/relationships" xmlns:p="http://schemas.openxmlformats.org/presentationml/2006/main">
-  <p:cSld>
-    <p:spTree>
-      <p:nvGrpSpPr>
-        <p:cNvPr id="1" name=""/>
-        <p:cNvGrpSpPr/>
-        <p:nvPr/>
-      </p:nvGrpSpPr>
-      <p:grpSpPr>
-        <a:xfrm>
-          <a:off x="0" y="0"/>
-          <a:ext cx="0" cy="0"/>
-          <a:chOff x="0" y="0"/>
-          <a:chExt cx="0" cy="0"/>
-        </a:xfrm>
-      </p:grpSpPr>
-      <p:sp>
-        <p:nvSpPr>
-          <p:cNvPr id="2" name="Titre 1"/>
-          <p:cNvSpPr>
-            <a:spLocks noGrp="1"/>
-          </p:cNvSpPr>
-          <p:nvPr>
-            <p:ph type="ctrTitle"/>
-          </p:nvPr>
-        </p:nvSpPr>
         <p:spPr/>
         <p:txBody>
           <a:bodyPr/>
@@ -6613,10 +6484,17 @@
   <p:clrMapOvr>
     <a:masterClrMapping/>
   </p:clrMapOvr>
+  <p:timing>
+    <p:tnLst>
+      <p:par>
+        <p:cTn id="1" dur="indefinite" restart="never" nodeType="tmRoot"/>
+      </p:par>
+    </p:tnLst>
+  </p:timing>
 </p:sld>
 </file>
 
-<file path=ppt/slides/slide33.xml><?xml version="1.0" encoding="utf-8"?>
+<file path=ppt/slides/slide32.xml><?xml version="1.0" encoding="utf-8"?>
 <p:sld xmlns:a="http://schemas.openxmlformats.org/drawingml/2006/main" xmlns:r="http://schemas.openxmlformats.org/officeDocument/2006/relationships" xmlns:p="http://schemas.openxmlformats.org/presentationml/2006/main">
   <p:cSld>
     <p:spTree>
@@ -6779,6 +6657,96 @@
   <p:clrMapOvr>
     <a:masterClrMapping/>
   </p:clrMapOvr>
+  <p:timing>
+    <p:tnLst>
+      <p:par>
+        <p:cTn id="1" dur="indefinite" restart="never" nodeType="tmRoot"/>
+      </p:par>
+    </p:tnLst>
+  </p:timing>
+</p:sld>
+</file>
+
+<file path=ppt/slides/slide33.xml><?xml version="1.0" encoding="utf-8"?>
+<p:sld xmlns:a="http://schemas.openxmlformats.org/drawingml/2006/main" xmlns:r="http://schemas.openxmlformats.org/officeDocument/2006/relationships" xmlns:p="http://schemas.openxmlformats.org/presentationml/2006/main">
+  <p:cSld>
+    <p:spTree>
+      <p:nvGrpSpPr>
+        <p:cNvPr id="1" name=""/>
+        <p:cNvGrpSpPr/>
+        <p:nvPr/>
+      </p:nvGrpSpPr>
+      <p:grpSpPr>
+        <a:xfrm>
+          <a:off x="0" y="0"/>
+          <a:ext cx="0" cy="0"/>
+          <a:chOff x="0" y="0"/>
+          <a:chExt cx="0" cy="0"/>
+        </a:xfrm>
+      </p:grpSpPr>
+      <p:sp>
+        <p:nvSpPr>
+          <p:cNvPr id="2" name="Titre 1"/>
+          <p:cNvSpPr>
+            <a:spLocks noGrp="1"/>
+          </p:cNvSpPr>
+          <p:nvPr>
+            <p:ph type="ctrTitle"/>
+          </p:nvPr>
+        </p:nvSpPr>
+        <p:spPr/>
+        <p:txBody>
+          <a:bodyPr/>
+          <a:lstStyle/>
+          <a:p>
+            <a:r>
+              <a:rPr lang="fr-FR" dirty="0" smtClean="0"/>
+              <a:t>Théorie  </a:t>
+            </a:r>
+            <a:endParaRPr lang="fr-FR" dirty="0"/>
+          </a:p>
+        </p:txBody>
+      </p:sp>
+      <p:sp>
+        <p:nvSpPr>
+          <p:cNvPr id="3" name="Sous-titre 2"/>
+          <p:cNvSpPr>
+            <a:spLocks noGrp="1"/>
+          </p:cNvSpPr>
+          <p:nvPr>
+            <p:ph type="subTitle" idx="1"/>
+          </p:nvPr>
+        </p:nvSpPr>
+        <p:spPr/>
+        <p:txBody>
+          <a:bodyPr/>
+          <a:lstStyle/>
+          <a:p>
+            <a:r>
+              <a:rPr lang="fr-FR" dirty="0" smtClean="0"/>
+              <a:t>Les services</a:t>
+            </a:r>
+            <a:endParaRPr lang="fr-FR" dirty="0"/>
+          </a:p>
+        </p:txBody>
+      </p:sp>
+    </p:spTree>
+    <p:extLst>
+      <p:ext uri="{BB962C8B-B14F-4D97-AF65-F5344CB8AC3E}">
+        <p14:creationId xmlns:p14="http://schemas.microsoft.com/office/powerpoint/2010/main" val="2640945370"/>
+      </p:ext>
+    </p:extLst>
+  </p:cSld>
+  <p:clrMapOvr>
+    <a:masterClrMapping/>
+  </p:clrMapOvr>
+  <p:timing>
+    <p:tnLst>
+      <p:par>
+        <p:cTn id="1" dur="indefinite" restart="never" nodeType="tmRoot"/>
+      </p:par>
+    </p:tnLst>
+  </p:timing>
 </p:sld>
 </file>
 
@@ -6809,82 +6777,6 @@
             <p:ph type="ctrTitle"/>
           </p:nvPr>
         </p:nvSpPr>
-        <p:spPr/>
-        <p:txBody>
-          <a:bodyPr/>
-          <a:lstStyle/>
-          <a:p>
-            <a:r>
-              <a:rPr lang="fr-FR" dirty="0" smtClean="0"/>
-              <a:t>Théorie  </a:t>
-            </a:r>
-            <a:endParaRPr lang="fr-FR" dirty="0"/>
-          </a:p>
-        </p:txBody>
-      </p:sp>
-      <p:sp>
-        <p:nvSpPr>
-          <p:cNvPr id="3" name="Sous-titre 2"/>
-          <p:cNvSpPr>
-            <a:spLocks noGrp="1"/>
-          </p:cNvSpPr>
-          <p:nvPr>
-            <p:ph type="subTitle" idx="1"/>
-          </p:nvPr>
-        </p:nvSpPr>
-        <p:spPr/>
-        <p:txBody>
-          <a:bodyPr/>
-          <a:lstStyle/>
-          <a:p>
-            <a:r>
-              <a:rPr lang="fr-FR" dirty="0" smtClean="0"/>
-              <a:t>Les services</a:t>
-            </a:r>
-            <a:endParaRPr lang="fr-FR" dirty="0"/>
-          </a:p>
-        </p:txBody>
-      </p:sp>
-    </p:spTree>
-    <p:extLst>
-      <p:ext uri="{BB962C8B-B14F-4D97-AF65-F5344CB8AC3E}">
-        <p14:creationId xmlns:p14="http://schemas.microsoft.com/office/powerpoint/2010/main" val="2640945370"/>
-      </p:ext>
-    </p:extLst>
-  </p:cSld>
-  <p:clrMapOvr>
-    <a:masterClrMapping/>
-  </p:clrMapOvr>
-</p:sld>
-</file>
-
-<file path=ppt/slides/slide35.xml><?xml version="1.0" encoding="utf-8"?>
-<p:sld xmlns:a="http://schemas.openxmlformats.org/drawingml/2006/main" xmlns:r="http://schemas.openxmlformats.org/officeDocument/2006/relationships" xmlns:p="http://schemas.openxmlformats.org/presentationml/2006/main">
-  <p:cSld>
-    <p:spTree>
-      <p:nvGrpSpPr>
-        <p:cNvPr id="1" name=""/>
-        <p:cNvGrpSpPr/>
-        <p:nvPr/>
-      </p:nvGrpSpPr>
-      <p:grpSpPr>
-        <a:xfrm>
-          <a:off x="0" y="0"/>
-          <a:ext cx="0" cy="0"/>
-          <a:chOff x="0" y="0"/>
-          <a:chExt cx="0" cy="0"/>
-        </a:xfrm>
-      </p:grpSpPr>
-      <p:sp>
-        <p:nvSpPr>
-          <p:cNvPr id="2" name="Titre 1"/>
-          <p:cNvSpPr>
-            <a:spLocks noGrp="1"/>
-          </p:cNvSpPr>
-          <p:nvPr>
-            <p:ph type="ctrTitle"/>
-          </p:nvPr>
-        </p:nvSpPr>
         <p:spPr>
           <a:xfrm>
             <a:off x="1440025" y="261257"/>
@@ -6983,11 +6875,7 @@
             </a:r>
             <a:r>
               <a:rPr lang="fr-FR" dirty="0" smtClean="0"/>
-              <a:t> 4 l’injection de dépendances amélioré permet d’exploiter les services dans les contrôleurs en renseignant juste leur </a:t>
-            </a:r>
-            <a:r>
-              <a:rPr lang="fr-FR" dirty="0" smtClean="0"/>
-              <a:t>type.</a:t>
+              <a:t> 4 l’injection de dépendances amélioré permet d’exploiter les services dans les contrôleurs en renseignant juste leur type.</a:t>
             </a:r>
           </a:p>
           <a:p>
@@ -7058,6 +6946,96 @@
   <p:clrMapOvr>
     <a:masterClrMapping/>
   </p:clrMapOvr>
+  <p:timing>
+    <p:tnLst>
+      <p:par>
+        <p:cTn id="1" dur="indefinite" restart="never" nodeType="tmRoot"/>
+      </p:par>
+    </p:tnLst>
+  </p:timing>
+</p:sld>
+</file>
+
+<file path=ppt/slides/slide35.xml><?xml version="1.0" encoding="utf-8"?>
+<p:sld xmlns:a="http://schemas.openxmlformats.org/drawingml/2006/main" xmlns:r="http://schemas.openxmlformats.org/officeDocument/2006/relationships" xmlns:p="http://schemas.openxmlformats.org/presentationml/2006/main">
+  <p:cSld>
+    <p:spTree>
+      <p:nvGrpSpPr>
+        <p:cNvPr id="1" name=""/>
+        <p:cNvGrpSpPr/>
+        <p:nvPr/>
+      </p:nvGrpSpPr>
+      <p:grpSpPr>
+        <a:xfrm>
+          <a:off x="0" y="0"/>
+          <a:ext cx="0" cy="0"/>
+          <a:chOff x="0" y="0"/>
+          <a:chExt cx="0" cy="0"/>
+        </a:xfrm>
+      </p:grpSpPr>
+      <p:sp>
+        <p:nvSpPr>
+          <p:cNvPr id="2" name="Titre 1"/>
+          <p:cNvSpPr>
+            <a:spLocks noGrp="1"/>
+          </p:cNvSpPr>
+          <p:nvPr>
+            <p:ph type="ctrTitle"/>
+          </p:nvPr>
+        </p:nvSpPr>
+        <p:spPr/>
+        <p:txBody>
+          <a:bodyPr/>
+          <a:lstStyle/>
+          <a:p>
+            <a:r>
+              <a:rPr lang="fr-FR" dirty="0" smtClean="0"/>
+              <a:t>Pratique  </a:t>
+            </a:r>
+            <a:endParaRPr lang="fr-FR" dirty="0"/>
+          </a:p>
+        </p:txBody>
+      </p:sp>
+      <p:sp>
+        <p:nvSpPr>
+          <p:cNvPr id="3" name="Sous-titre 2"/>
+          <p:cNvSpPr>
+            <a:spLocks noGrp="1"/>
+          </p:cNvSpPr>
+          <p:nvPr>
+            <p:ph type="subTitle" idx="1"/>
+          </p:nvPr>
+        </p:nvSpPr>
+        <p:spPr/>
+        <p:txBody>
+          <a:bodyPr/>
+          <a:lstStyle/>
+          <a:p>
+            <a:r>
+              <a:rPr lang="fr-FR" dirty="0" smtClean="0"/>
+              <a:t>Les services</a:t>
+            </a:r>
+            <a:endParaRPr lang="fr-FR" dirty="0"/>
+          </a:p>
+        </p:txBody>
+      </p:sp>
+    </p:spTree>
+    <p:extLst>
+      <p:ext uri="{BB962C8B-B14F-4D97-AF65-F5344CB8AC3E}">
+        <p14:creationId xmlns:p14="http://schemas.microsoft.com/office/powerpoint/2010/main" val="2211868961"/>
+      </p:ext>
+    </p:extLst>
+  </p:cSld>
+  <p:clrMapOvr>
+    <a:masterClrMapping/>
+  </p:clrMapOvr>
+  <p:timing>
+    <p:tnLst>
+      <p:par>
+        <p:cTn id="1" dur="indefinite" restart="never" nodeType="tmRoot"/>
+      </p:par>
+    </p:tnLst>
+  </p:timing>
 </p:sld>
 </file>
 
@@ -7088,14 +7066,21 @@
             <p:ph type="ctrTitle"/>
           </p:nvPr>
         </p:nvSpPr>
-        <p:spPr/>
-        <p:txBody>
-          <a:bodyPr/>
-          <a:lstStyle/>
-          <a:p>
-            <a:r>
-              <a:rPr lang="fr-FR" dirty="0" smtClean="0"/>
-              <a:t>Pratique  </a:t>
+        <p:spPr>
+          <a:xfrm>
+            <a:off x="1524000" y="447868"/>
+            <a:ext cx="9144000" cy="923731"/>
+          </a:xfrm>
+        </p:spPr>
+        <p:txBody>
+          <a:bodyPr>
+            <a:normAutofit/>
+          </a:bodyPr>
+          <a:lstStyle/>
+          <a:p>
+            <a:r>
+              <a:rPr lang="fr-FR" dirty="0" smtClean="0"/>
+              <a:t>Pratique - Les services</a:t>
             </a:r>
             <a:endParaRPr lang="fr-FR" dirty="0"/>
           </a:p>
@@ -7111,14 +7096,38 @@
             <p:ph type="subTitle" idx="1"/>
           </p:nvPr>
         </p:nvSpPr>
-        <p:spPr/>
-        <p:txBody>
-          <a:bodyPr/>
-          <a:lstStyle/>
-          <a:p>
-            <a:r>
-              <a:rPr lang="fr-FR" dirty="0" smtClean="0"/>
-              <a:t>Les services</a:t>
+        <p:spPr>
+          <a:xfrm>
+            <a:off x="298580" y="1483567"/>
+            <a:ext cx="11532636" cy="5150498"/>
+          </a:xfrm>
+        </p:spPr>
+        <p:txBody>
+          <a:bodyPr/>
+          <a:lstStyle/>
+          <a:p>
+            <a:pPr algn="l"/>
+            <a:r>
+              <a:rPr lang="fr-FR" dirty="0" smtClean="0"/>
+              <a:t>Créer un service </a:t>
+            </a:r>
+            <a:r>
+              <a:rPr lang="fr-FR" dirty="0" err="1" smtClean="0"/>
+              <a:t>LuckyNumber</a:t>
+            </a:r>
+            <a:r>
+              <a:rPr lang="fr-FR" dirty="0" smtClean="0"/>
+              <a:t>, et l’utiliser dans notre contrôleur (</a:t>
+            </a:r>
+            <a:r>
+              <a:rPr lang="fr-FR" dirty="0" smtClean="0">
+                <a:hlinkClick r:id="rId2"/>
+              </a:rPr>
+              <a:t>lien</a:t>
+            </a:r>
+            <a:r>
+              <a:rPr lang="fr-FR" dirty="0" smtClean="0"/>
+              <a:t>)</a:t>
             </a:r>
             <a:endParaRPr lang="fr-FR" dirty="0"/>
           </a:p>
@@ -7127,13 +7136,20 @@
     </p:spTree>
     <p:extLst>
       <p:ext uri="{BB962C8B-B14F-4D97-AF65-F5344CB8AC3E}">
-        <p14:creationId xmlns:p14="http://schemas.microsoft.com/office/powerpoint/2010/main" val="2211868961"/>
+        <p14:creationId xmlns:p14="http://schemas.microsoft.com/office/powerpoint/2010/main" val="2092501985"/>
       </p:ext>
     </p:extLst>
   </p:cSld>
   <p:clrMapOvr>
     <a:masterClrMapping/>
   </p:clrMapOvr>
+  <p:timing>
+    <p:tnLst>
+      <p:par>
+        <p:cTn id="1" dur="indefinite" restart="never" nodeType="tmRoot"/>
+      </p:par>
+    </p:tnLst>
+  </p:timing>
 </p:sld>
 </file>
 
@@ -7178,7 +7194,7 @@
           <a:p>
             <a:r>
               <a:rPr lang="fr-FR" dirty="0" smtClean="0"/>
-              <a:t>Pratique - Les services</a:t>
+              <a:t>Pour aller plus loin</a:t>
             </a:r>
             <a:endParaRPr lang="fr-FR" dirty="0"/>
           </a:p>
@@ -7207,113 +7223,6 @@
             <a:pPr algn="l"/>
             <a:r>
               <a:rPr lang="fr-FR" dirty="0" smtClean="0"/>
-              <a:t>Créer un service </a:t>
-            </a:r>
-            <a:r>
-              <a:rPr lang="fr-FR" dirty="0" err="1" smtClean="0"/>
-              <a:t>LuckyNumber</a:t>
-            </a:r>
-            <a:r>
-              <a:rPr lang="fr-FR" dirty="0" smtClean="0"/>
-              <a:t>, et l’utiliser dans notre contrôleur (</a:t>
-            </a:r>
-            <a:r>
-              <a:rPr lang="fr-FR" dirty="0" smtClean="0">
-                <a:hlinkClick r:id="rId2"/>
-              </a:rPr>
-              <a:t>lien</a:t>
-            </a:r>
-            <a:r>
-              <a:rPr lang="fr-FR" dirty="0" smtClean="0"/>
-              <a:t>)</a:t>
-            </a:r>
-            <a:endParaRPr lang="fr-FR" dirty="0"/>
-          </a:p>
-        </p:txBody>
-      </p:sp>
-    </p:spTree>
-    <p:extLst>
-      <p:ext uri="{BB962C8B-B14F-4D97-AF65-F5344CB8AC3E}">
-        <p14:creationId xmlns:p14="http://schemas.microsoft.com/office/powerpoint/2010/main" val="2092501985"/>
-      </p:ext>
-    </p:extLst>
-  </p:cSld>
-  <p:clrMapOvr>
-    <a:masterClrMapping/>
-  </p:clrMapOvr>
-</p:sld>
-</file>
-
-<file path=ppt/slides/slide38.xml><?xml version="1.0" encoding="utf-8"?>
-<p:sld xmlns:a="http://schemas.openxmlformats.org/drawingml/2006/main" xmlns:r="http://schemas.openxmlformats.org/officeDocument/2006/relationships" xmlns:p="http://schemas.openxmlformats.org/presentationml/2006/main">
-  <p:cSld>
-    <p:spTree>
-      <p:nvGrpSpPr>
-        <p:cNvPr id="1" name=""/>
-        <p:cNvGrpSpPr/>
-        <p:nvPr/>
-      </p:nvGrpSpPr>
-      <p:grpSpPr>
-        <a:xfrm>
-          <a:off x="0" y="0"/>
-          <a:ext cx="0" cy="0"/>
-          <a:chOff x="0" y="0"/>
-          <a:chExt cx="0" cy="0"/>
-        </a:xfrm>
-      </p:grpSpPr>
-      <p:sp>
-        <p:nvSpPr>
-          <p:cNvPr id="2" name="Titre 1"/>
-          <p:cNvSpPr>
-            <a:spLocks noGrp="1"/>
-          </p:cNvSpPr>
-          <p:nvPr>
-            <p:ph type="ctrTitle"/>
-          </p:nvPr>
-        </p:nvSpPr>
-        <p:spPr>
-          <a:xfrm>
-            <a:off x="1524000" y="447868"/>
-            <a:ext cx="9144000" cy="923731"/>
-          </a:xfrm>
-        </p:spPr>
-        <p:txBody>
-          <a:bodyPr>
-            <a:normAutofit/>
-          </a:bodyPr>
-          <a:lstStyle/>
-          <a:p>
-            <a:r>
-              <a:rPr lang="fr-FR" dirty="0" smtClean="0"/>
-              <a:t>Pour aller plus loin</a:t>
-            </a:r>
-            <a:endParaRPr lang="fr-FR" dirty="0"/>
-          </a:p>
-        </p:txBody>
-      </p:sp>
-      <p:sp>
-        <p:nvSpPr>
-          <p:cNvPr id="3" name="Sous-titre 2"/>
-          <p:cNvSpPr>
-            <a:spLocks noGrp="1"/>
-          </p:cNvSpPr>
-          <p:nvPr>
-            <p:ph type="subTitle" idx="1"/>
-          </p:nvPr>
-        </p:nvSpPr>
-        <p:spPr>
-          <a:xfrm>
-            <a:off x="298580" y="1483567"/>
-            <a:ext cx="11532636" cy="5150498"/>
-          </a:xfrm>
-        </p:spPr>
-        <p:txBody>
-          <a:bodyPr/>
-          <a:lstStyle/>
-          <a:p>
-            <a:pPr algn="l"/>
-            <a:r>
-              <a:rPr lang="fr-FR" dirty="0" smtClean="0"/>
               <a:t>Base de données objet relationnel =&gt; les liens entre les entités</a:t>
             </a:r>
           </a:p>
@@ -7325,11 +7234,7 @@
             <a:pPr algn="l"/>
             <a:r>
               <a:rPr lang="fr-FR" dirty="0" smtClean="0"/>
-              <a:t>Le </a:t>
-            </a:r>
-            <a:r>
-              <a:rPr lang="fr-FR" dirty="0" smtClean="0"/>
-              <a:t>triple héritage pour le </a:t>
+              <a:t>Le triple héritage pour le </a:t>
             </a:r>
             <a:r>
               <a:rPr lang="fr-FR" dirty="0" err="1" smtClean="0"/>
@@ -7349,11 +7254,7 @@
             <a:pPr algn="l"/>
             <a:r>
               <a:rPr lang="fr-FR" dirty="0" smtClean="0"/>
-              <a:t>La </a:t>
-            </a:r>
-            <a:r>
-              <a:rPr lang="fr-FR" dirty="0" smtClean="0"/>
-              <a:t>validation d’objet(service </a:t>
+              <a:t>La validation d’objet(service </a:t>
             </a:r>
             <a:r>
               <a:rPr lang="fr-FR" dirty="0" err="1" smtClean="0"/>
@@ -7392,6 +7293,13 @@
   <p:clrMapOvr>
     <a:masterClrMapping/>
   </p:clrMapOvr>
+  <p:timing>
+    <p:tnLst>
+      <p:par>
+        <p:cTn id="1" dur="indefinite" restart="never" nodeType="tmRoot"/>
+      </p:par>
+    </p:tnLst>
+  </p:timing>
 </p:sld>
 </file>
 
@@ -7508,6 +7416,13 @@
   <p:clrMapOvr>
     <a:masterClrMapping/>
   </p:clrMapOvr>
+  <p:timing>
+    <p:tnLst>
+      <p:par>
+        <p:cTn id="1" dur="indefinite" restart="never" nodeType="tmRoot"/>
+      </p:par>
+    </p:tnLst>
+  </p:timing>
 </p:sld>
 </file>
 
@@ -7580,6 +7495,13 @@
   <p:clrMapOvr>
     <a:masterClrMapping/>
   </p:clrMapOvr>
+  <p:timing>
+    <p:tnLst>
+      <p:par>
+        <p:cTn id="1" dur="indefinite" restart="never" nodeType="tmRoot"/>
+      </p:par>
+    </p:tnLst>
+  </p:timing>
 </p:sld>
 </file>
 
@@ -7886,6 +7808,13 @@
   <p:clrMapOvr>
     <a:masterClrMapping/>
   </p:clrMapOvr>
+  <p:timing>
+    <p:tnLst>
+      <p:par>
+        <p:cTn id="1" dur="indefinite" restart="never" nodeType="tmRoot"/>
+      </p:par>
+    </p:tnLst>
+  </p:timing>
 </p:sld>
 </file>
 
@@ -8005,11 +7934,7 @@
             <a:pPr algn="l"/>
             <a:r>
               <a:rPr lang="fr-FR" dirty="0" smtClean="0"/>
-              <a:t>Pour </a:t>
-            </a:r>
-            <a:r>
-              <a:rPr lang="fr-FR" dirty="0" smtClean="0"/>
-              <a:t>lancer le serveur de </a:t>
+              <a:t>Pour lancer le serveur de </a:t>
             </a:r>
             <a:r>
               <a:rPr lang="fr-FR" dirty="0" err="1" smtClean="0"/>
@@ -8017,13 +7942,8 @@
             </a:r>
             <a:r>
               <a:rPr lang="fr-FR" dirty="0" smtClean="0"/>
-              <a:t> </a:t>
-            </a:r>
-            <a:r>
-              <a:rPr lang="fr-FR" dirty="0" smtClean="0"/>
-              <a:t>local</a:t>
-            </a:r>
-            <a:endParaRPr lang="fr-FR" dirty="0" smtClean="0"/>
+              <a:t> local</a:t>
+            </a:r>
           </a:p>
           <a:p>
             <a:pPr algn="l"/>
@@ -8107,6 +8027,13 @@
   <p:clrMapOvr>
     <a:masterClrMapping/>
   </p:clrMapOvr>
+  <p:timing>
+    <p:tnLst>
+      <p:par>
+        <p:cTn id="1" dur="indefinite" restart="never" nodeType="tmRoot"/>
+      </p:par>
+    </p:tnLst>
+  </p:timing>
 </p:sld>
 </file>
 
@@ -8183,6 +8110,13 @@
   <p:clrMapOvr>
     <a:masterClrMapping/>
   </p:clrMapOvr>
+  <p:timing>
+    <p:tnLst>
+      <p:par>
+        <p:cTn id="1" dur="indefinite" restart="never" nodeType="tmRoot"/>
+      </p:par>
+    </p:tnLst>
+  </p:timing>
 </p:sld>
 </file>
 
@@ -8379,6 +8313,13 @@
   <p:clrMapOvr>
     <a:masterClrMapping/>
   </p:clrMapOvr>
+  <p:timing>
+    <p:tnLst>
+      <p:par>
+        <p:cTn id="1" dur="indefinite" restart="never" nodeType="tmRoot"/>
+      </p:par>
+    </p:tnLst>
+  </p:timing>
 </p:sld>
 </file>
 
@@ -8644,65 +8585,6 @@
 </file>
 
 <file path=customXml/item1.xml><?xml version="1.0" encoding="utf-8"?>
-<?mso-contentType ?>
-<FormTemplates xmlns="http://schemas.microsoft.com/sharepoint/v3/contenttype/forms">
-  <Display>DocumentLibraryForm</Display>
-  <Edit>DocumentLibraryForm</Edit>
-  <New>DocumentLibraryForm</New>
-</FormTemplates>
-</file>
-
-<file path=customXml/item2.xml><?xml version="1.0" encoding="utf-8"?>
-<?mso-contentType ?>
-<spe:Receivers xmlns:spe="http://schemas.microsoft.com/sharepoint/events">
-  <Receiver>
-    <Name>Document ID Generator</Name>
-    <Synchronization>Synchronous</Synchronization>
-    <Type>10001</Type>
-    <SequenceNumber>1000</SequenceNumber>
-    <Url/>
-    <Assembly>Microsoft.Office.DocumentManagement, Version=16.0.0.0, Culture=neutral, PublicKeyToken=71e9bce111e9429c</Assembly>
-    <Class>Microsoft.Office.DocumentManagement.Internal.DocIdHandler</Class>
-    <Data/>
-    <Filter/>
-  </Receiver>
-  <Receiver>
-    <Name>Document ID Generator</Name>
-    <Synchronization>Synchronous</Synchronization>
-    <Type>10002</Type>
-    <SequenceNumber>1001</SequenceNumber>
-    <Url/>
-    <Assembly>Microsoft.Office.DocumentManagement, Version=16.0.0.0, Culture=neutral, PublicKeyToken=71e9bce111e9429c</Assembly>
-    <Class>Microsoft.Office.DocumentManagement.Internal.DocIdHandler</Class>
-    <Data/>
-    <Filter/>
-  </Receiver>
-  <Receiver>
-    <Name>Document ID Generator</Name>
-    <Synchronization>Synchronous</Synchronization>
-    <Type>10004</Type>
-    <SequenceNumber>1002</SequenceNumber>
-    <Url/>
-    <Assembly>Microsoft.Office.DocumentManagement, Version=16.0.0.0, Culture=neutral, PublicKeyToken=71e9bce111e9429c</Assembly>
-    <Class>Microsoft.Office.DocumentManagement.Internal.DocIdHandler</Class>
-    <Data/>
-    <Filter/>
-  </Receiver>
-  <Receiver>
-    <Name>Document ID Generator</Name>
-    <Synchronization>Synchronous</Synchronization>
-    <Type>10006</Type>
-    <SequenceNumber>1003</SequenceNumber>
-    <Url/>
-    <Assembly>Microsoft.Office.DocumentManagement, Version=16.0.0.0, Culture=neutral, PublicKeyToken=71e9bce111e9429c</Assembly>
-    <Class>Microsoft.Office.DocumentManagement.Internal.DocIdHandler</Class>
-    <Data/>
-    <Filter/>
-  </Receiver>
-</spe:Receivers>
-</file>
-
-<file path=customXml/item3.xml><?xml version="1.0" encoding="utf-8"?>
 <ct:contentTypeSchema xmlns:ct="http://schemas.microsoft.com/office/2006/metadata/contentType" xmlns:ma="http://schemas.microsoft.com/office/2006/metadata/properties/metaAttributes" ct:_="" ma:_="" ma:contentTypeName="Document" ma:contentTypeID="0x010100B0B17D1905FAFB44B7D5B095CEC9330B" ma:contentTypeVersion="1" ma:contentTypeDescription="Crée un document." ma:contentTypeScope="" ma:versionID="f1a2ba72c726f354048401401217c594">
   <xsd:schema xmlns:xsd="http://www.w3.org/2001/XMLSchema" xmlns:xs="http://www.w3.org/2001/XMLSchema" xmlns:p="http://schemas.microsoft.com/office/2006/metadata/properties" xmlns:ns2="79acb559-08bd-4d88-a74d-3520fe7dd95d" targetNamespace="http://schemas.microsoft.com/office/2006/metadata/properties" ma:root="true" ma:fieldsID="63cc77025623a469e3cd625e817c3539" ns2:_="">
     <xsd:import namespace="79acb559-08bd-4d88-a74d-3520fe7dd95d"/>
@@ -8867,6 +8749,65 @@
 </ct:contentTypeSchema>
 </file>
 
+<file path=customXml/item2.xml><?xml version="1.0" encoding="utf-8"?>
+<?mso-contentType ?>
+<spe:Receivers xmlns:spe="http://schemas.microsoft.com/sharepoint/events">
+  <Receiver>
+    <Name>Document ID Generator</Name>
+    <Synchronization>Synchronous</Synchronization>
+    <Type>10001</Type>
+    <SequenceNumber>1000</SequenceNumber>
+    <Url/>
+    <Assembly>Microsoft.Office.DocumentManagement, Version=16.0.0.0, Culture=neutral, PublicKeyToken=71e9bce111e9429c</Assembly>
+    <Class>Microsoft.Office.DocumentManagement.Internal.DocIdHandler</Class>
+    <Data/>
+    <Filter/>
+  </Receiver>
+  <Receiver>
+    <Name>Document ID Generator</Name>
+    <Synchronization>Synchronous</Synchronization>
+    <Type>10002</Type>
+    <SequenceNumber>1001</SequenceNumber>
+    <Url/>
+    <Assembly>Microsoft.Office.DocumentManagement, Version=16.0.0.0, Culture=neutral, PublicKeyToken=71e9bce111e9429c</Assembly>
+    <Class>Microsoft.Office.DocumentManagement.Internal.DocIdHandler</Class>
+    <Data/>
+    <Filter/>
+  </Receiver>
+  <Receiver>
+    <Name>Document ID Generator</Name>
+    <Synchronization>Synchronous</Synchronization>
+    <Type>10004</Type>
+    <SequenceNumber>1002</SequenceNumber>
+    <Url/>
+    <Assembly>Microsoft.Office.DocumentManagement, Version=16.0.0.0, Culture=neutral, PublicKeyToken=71e9bce111e9429c</Assembly>
+    <Class>Microsoft.Office.DocumentManagement.Internal.DocIdHandler</Class>
+    <Data/>
+    <Filter/>
+  </Receiver>
+  <Receiver>
+    <Name>Document ID Generator</Name>
+    <Synchronization>Synchronous</Synchronization>
+    <Type>10006</Type>
+    <SequenceNumber>1003</SequenceNumber>
+    <Url/>
+    <Assembly>Microsoft.Office.DocumentManagement, Version=16.0.0.0, Culture=neutral, PublicKeyToken=71e9bce111e9429c</Assembly>
+    <Class>Microsoft.Office.DocumentManagement.Internal.DocIdHandler</Class>
+    <Data/>
+    <Filter/>
+  </Receiver>
+</spe:Receivers>
+</file>
+
+<file path=customXml/item3.xml><?xml version="1.0" encoding="utf-8"?>
+<?mso-contentType ?>
+<FormTemplates xmlns="http://schemas.microsoft.com/sharepoint/v3/contenttype/forms">
+  <Display>DocumentLibraryForm</Display>
+  <Edit>DocumentLibraryForm</Edit>
+  <New>DocumentLibraryForm</New>
+</FormTemplates>
+</file>
+
 <file path=customXml/item4.xml><?xml version="1.0" encoding="utf-8"?>
 <p:properties xmlns:p="http://schemas.microsoft.com/office/2006/metadata/properties" xmlns:xsi="http://www.w3.org/2001/XMLSchema-instance" xmlns:pc="http://schemas.microsoft.com/office/infopath/2007/PartnerControls">
   <documentManagement>
@@ -8880,9 +8821,19 @@
 </file>
 
 <file path=customXml/itemProps1.xml><?xml version="1.0" encoding="utf-8"?>
-<ds:datastoreItem xmlns:ds="http://schemas.openxmlformats.org/officeDocument/2006/customXml" ds:itemID="{7729370C-F69F-4FBE-BC78-60D231DAFBDB}">
+<ds:datastoreItem xmlns:ds="http://schemas.openxmlformats.org/officeDocument/2006/customXml" ds:itemID="{45E776B9-86DC-47EB-94DC-0A1F641DD462}">
   <ds:schemaRefs>
-    <ds:schemaRef ds:uri="http://schemas.microsoft.com/sharepoint/v3/contenttype/forms"/>
+    <ds:schemaRef ds:uri="http://schemas.microsoft.com/office/2006/metadata/contentType"/>
+    <ds:schemaRef ds:uri="http://schemas.microsoft.com/office/2006/metadata/properties/metaAttributes"/>
+    <ds:schemaRef ds:uri="http://www.w3.org/2001/XMLSchema"/>
+    <ds:schemaRef ds:uri="http://schemas.microsoft.com/office/2006/metadata/properties"/>
+    <ds:schemaRef ds:uri="79acb559-08bd-4d88-a74d-3520fe7dd95d"/>
+    <ds:schemaRef ds:uri="http://schemas.microsoft.com/office/2006/documentManagement/types"/>
+    <ds:schemaRef ds:uri="http://schemas.microsoft.com/office/infopath/2007/PartnerControls"/>
+    <ds:schemaRef ds:uri="http://schemas.openxmlformats.org/package/2006/metadata/core-properties"/>
+    <ds:schemaRef ds:uri="http://purl.org/dc/elements/1.1/"/>
+    <ds:schemaRef ds:uri="http://purl.org/dc/terms/"/>
+    <ds:schemaRef ds:uri="http://schemas.microsoft.com/internal/obd"/>
   </ds:schemaRefs>
 </ds:datastoreItem>
 </file>
@@ -8896,19 +8847,9 @@
 </file>
 
 <file path=customXml/itemProps3.xml><?xml version="1.0" encoding="utf-8"?>
-<ds:datastoreItem xmlns:ds="http://schemas.openxmlformats.org/officeDocument/2006/customXml" ds:itemID="{45E776B9-86DC-47EB-94DC-0A1F641DD462}">
+<ds:datastoreItem xmlns:ds="http://schemas.openxmlformats.org/officeDocument/2006/customXml" ds:itemID="{7729370C-F69F-4FBE-BC78-60D231DAFBDB}">
   <ds:schemaRefs>
-    <ds:schemaRef ds:uri="http://schemas.microsoft.com/office/2006/metadata/contentType"/>
-    <ds:schemaRef ds:uri="http://schemas.microsoft.com/office/2006/metadata/properties/metaAttributes"/>
-    <ds:schemaRef ds:uri="http://www.w3.org/2001/XMLSchema"/>
-    <ds:schemaRef ds:uri="http://schemas.microsoft.com/office/2006/metadata/properties"/>
-    <ds:schemaRef ds:uri="79acb559-08bd-4d88-a74d-3520fe7dd95d"/>
-    <ds:schemaRef ds:uri="http://schemas.microsoft.com/office/2006/documentManagement/types"/>
-    <ds:schemaRef ds:uri="http://schemas.microsoft.com/office/infopath/2007/PartnerControls"/>
-    <ds:schemaRef ds:uri="http://schemas.openxmlformats.org/package/2006/metadata/core-properties"/>
-    <ds:schemaRef ds:uri="http://purl.org/dc/elements/1.1/"/>
-    <ds:schemaRef ds:uri="http://purl.org/dc/terms/"/>
-    <ds:schemaRef ds:uri="http://schemas.microsoft.com/internal/obd"/>
+    <ds:schemaRef ds:uri="http://schemas.microsoft.com/sharepoint/v3/contenttype/forms"/>
   </ds:schemaRefs>
 </ds:datastoreItem>
 </file>
